--- a/notes/csc493-ln015.pptx
+++ b/notes/csc493-ln015.pptx
@@ -5,15 +5,18 @@
     <p:sldMasterId id="2147483651" r:id="rId1"/>
   </p:sldMasterIdLst>
   <p:notesMasterIdLst>
-    <p:notesMasterId r:id="rId5"/>
+    <p:notesMasterId r:id="rId8"/>
   </p:notesMasterIdLst>
   <p:handoutMasterIdLst>
-    <p:handoutMasterId r:id="rId6"/>
+    <p:handoutMasterId r:id="rId9"/>
   </p:handoutMasterIdLst>
   <p:sldIdLst>
     <p:sldId id="267" r:id="rId2"/>
     <p:sldId id="268" r:id="rId3"/>
     <p:sldId id="269" r:id="rId4"/>
+    <p:sldId id="270" r:id="rId5"/>
+    <p:sldId id="271" r:id="rId6"/>
+    <p:sldId id="272" r:id="rId7"/>
   </p:sldIdLst>
   <p:sldSz cx="9144000" cy="6858000" type="screen4x3"/>
   <p:notesSz cx="6856413" cy="9083675"/>
@@ -5632,7 +5635,7 @@
             <a:pPr lvl="1"/>
             <a:r>
               <a:rPr lang="en-US" dirty="0"/>
-              <a:t>In software engineering it is frowned upon explicitly repeating the same code in your program</a:t>
+              <a:t>In software engineering it is frowned upon to explicitly repeat the same code in your program</a:t>
             </a:r>
           </a:p>
           <a:p>
@@ -5772,10 +5775,543 @@
           </a:ln>
         </p:spPr>
       </p:pic>
+      <p:sp>
+        <p:nvSpPr>
+          <p:cNvPr id="7" name="TextBox 6">
+            <a:extLst>
+              <a:ext uri="{FF2B5EF4-FFF2-40B4-BE49-F238E27FC236}">
+                <a16:creationId xmlns:a16="http://schemas.microsoft.com/office/drawing/2014/main" id="{2D82EFF0-C319-FE43-8A54-664B484A210C}"/>
+              </a:ext>
+            </a:extLst>
+          </p:cNvPr>
+          <p:cNvSpPr txBox="1"/>
+          <p:nvPr/>
+        </p:nvSpPr>
+        <p:spPr>
+          <a:xfrm>
+            <a:off x="1148862" y="6213231"/>
+            <a:ext cx="1507144" cy="307777"/>
+          </a:xfrm>
+          <a:prstGeom prst="rect">
+            <a:avLst/>
+          </a:prstGeom>
+          <a:noFill/>
+        </p:spPr>
+        <p:txBody>
+          <a:bodyPr wrap="none" rtlCol="0">
+            <a:spAutoFit/>
+          </a:bodyPr>
+          <a:lstStyle/>
+          <a:p>
+            <a:r>
+              <a:rPr lang="en-US" sz="1400" dirty="0"/>
+              <a:t>ln015/reuse1.ast</a:t>
+            </a:r>
+          </a:p>
+        </p:txBody>
+      </p:sp>
+      <p:sp>
+        <p:nvSpPr>
+          <p:cNvPr id="8" name="TextBox 7">
+            <a:extLst>
+              <a:ext uri="{FF2B5EF4-FFF2-40B4-BE49-F238E27FC236}">
+                <a16:creationId xmlns:a16="http://schemas.microsoft.com/office/drawing/2014/main" id="{FEF576F6-F723-6F48-AD81-1A5DE88EA7A7}"/>
+              </a:ext>
+            </a:extLst>
+          </p:cNvPr>
+          <p:cNvSpPr txBox="1"/>
+          <p:nvPr/>
+        </p:nvSpPr>
+        <p:spPr>
+          <a:xfrm>
+            <a:off x="4572000" y="6340719"/>
+            <a:ext cx="1507144" cy="307777"/>
+          </a:xfrm>
+          <a:prstGeom prst="rect">
+            <a:avLst/>
+          </a:prstGeom>
+          <a:noFill/>
+        </p:spPr>
+        <p:txBody>
+          <a:bodyPr wrap="none" rtlCol="0">
+            <a:spAutoFit/>
+          </a:bodyPr>
+          <a:lstStyle/>
+          <a:p>
+            <a:r>
+              <a:rPr lang="en-US" sz="1400" dirty="0"/>
+              <a:t>ln015/reuse2.ast</a:t>
+            </a:r>
+          </a:p>
+        </p:txBody>
+      </p:sp>
     </p:spTree>
     <p:extLst>
       <p:ext uri="{BB962C8B-B14F-4D97-AF65-F5344CB8AC3E}">
         <p14:creationId xmlns:p14="http://schemas.microsoft.com/office/powerpoint/2010/main" val="1486921720"/>
+      </p:ext>
+    </p:extLst>
+  </p:cSld>
+  <p:clrMapOvr>
+    <a:masterClrMapping/>
+  </p:clrMapOvr>
+</p:sld>
+</file>
+
+<file path=ppt/slides/slide4.xml><?xml version="1.0" encoding="utf-8"?>
+<p:sld xmlns:a="http://schemas.openxmlformats.org/drawingml/2006/main" xmlns:r="http://schemas.openxmlformats.org/officeDocument/2006/relationships" xmlns:p="http://schemas.openxmlformats.org/presentationml/2006/main">
+  <p:cSld>
+    <p:spTree>
+      <p:nvGrpSpPr>
+        <p:cNvPr id="1" name=""/>
+        <p:cNvGrpSpPr/>
+        <p:nvPr/>
+      </p:nvGrpSpPr>
+      <p:grpSpPr>
+        <a:xfrm>
+          <a:off x="0" y="0"/>
+          <a:ext cx="0" cy="0"/>
+          <a:chOff x="0" y="0"/>
+          <a:chExt cx="0" cy="0"/>
+        </a:xfrm>
+      </p:grpSpPr>
+      <p:sp>
+        <p:nvSpPr>
+          <p:cNvPr id="3" name="Title 2">
+            <a:extLst>
+              <a:ext uri="{FF2B5EF4-FFF2-40B4-BE49-F238E27FC236}">
+                <a16:creationId xmlns:a16="http://schemas.microsoft.com/office/drawing/2014/main" id="{E2818344-3203-2B43-89FE-79AC0C2493CB}"/>
+              </a:ext>
+            </a:extLst>
+          </p:cNvPr>
+          <p:cNvSpPr>
+            <a:spLocks noGrp="1"/>
+          </p:cNvSpPr>
+          <p:nvPr>
+            <p:ph type="title"/>
+          </p:nvPr>
+        </p:nvSpPr>
+        <p:spPr/>
+        <p:txBody>
+          <a:bodyPr/>
+          <a:lstStyle/>
+          <a:p>
+            <a:r>
+              <a:rPr lang="en-US" dirty="0"/>
+              <a:t>Pattern Factoring</a:t>
+            </a:r>
+          </a:p>
+        </p:txBody>
+      </p:sp>
+      <p:sp>
+        <p:nvSpPr>
+          <p:cNvPr id="4" name="Content Placeholder 3">
+            <a:extLst>
+              <a:ext uri="{FF2B5EF4-FFF2-40B4-BE49-F238E27FC236}">
+                <a16:creationId xmlns:a16="http://schemas.microsoft.com/office/drawing/2014/main" id="{B5191E78-B568-544E-A8DA-C9336F1F50F4}"/>
+              </a:ext>
+            </a:extLst>
+          </p:cNvPr>
+          <p:cNvSpPr>
+            <a:spLocks noGrp="1"/>
+          </p:cNvSpPr>
+          <p:nvPr>
+            <p:ph idx="1"/>
+          </p:nvPr>
+        </p:nvSpPr>
+        <p:spPr/>
+        <p:txBody>
+          <a:bodyPr>
+            <a:normAutofit lnSpcReduction="10000"/>
+          </a:bodyPr>
+          <a:lstStyle/>
+          <a:p>
+            <a:r>
+              <a:rPr lang="en-US" dirty="0"/>
+              <a:t>Patterns can become quite complex given that we can add </a:t>
+            </a:r>
+          </a:p>
+          <a:p>
+            <a:pPr lvl="1"/>
+            <a:r>
+              <a:rPr lang="en-US" dirty="0"/>
+              <a:t>Conditionals with multiple terms</a:t>
+            </a:r>
+          </a:p>
+          <a:p>
+            <a:pPr lvl="1"/>
+            <a:r>
+              <a:rPr lang="en-US" dirty="0"/>
+              <a:t>Nested structures such as lists of lists, tuples of lists, lists of tuples, etc.</a:t>
+            </a:r>
+          </a:p>
+          <a:p>
+            <a:endParaRPr lang="en-US" dirty="0"/>
+          </a:p>
+          <a:p>
+            <a:r>
+              <a:rPr lang="en-US" dirty="0"/>
+              <a:t>First-class patterns allow us to factor patterns into smaller manageable pieces.</a:t>
+            </a:r>
+          </a:p>
+          <a:p>
+            <a:pPr lvl="1"/>
+            <a:endParaRPr lang="en-US" dirty="0"/>
+          </a:p>
+        </p:txBody>
+      </p:sp>
+    </p:spTree>
+    <p:extLst>
+      <p:ext uri="{BB962C8B-B14F-4D97-AF65-F5344CB8AC3E}">
+        <p14:creationId xmlns:p14="http://schemas.microsoft.com/office/powerpoint/2010/main" val="2946232844"/>
+      </p:ext>
+    </p:extLst>
+  </p:cSld>
+  <p:clrMapOvr>
+    <a:masterClrMapping/>
+  </p:clrMapOvr>
+</p:sld>
+</file>
+
+<file path=ppt/slides/slide5.xml><?xml version="1.0" encoding="utf-8"?>
+<p:sld xmlns:a="http://schemas.openxmlformats.org/drawingml/2006/main" xmlns:r="http://schemas.openxmlformats.org/officeDocument/2006/relationships" xmlns:p="http://schemas.openxmlformats.org/presentationml/2006/main">
+  <p:cSld>
+    <p:spTree>
+      <p:nvGrpSpPr>
+        <p:cNvPr id="1" name=""/>
+        <p:cNvGrpSpPr/>
+        <p:nvPr/>
+      </p:nvGrpSpPr>
+      <p:grpSpPr>
+        <a:xfrm>
+          <a:off x="0" y="0"/>
+          <a:ext cx="0" cy="0"/>
+          <a:chOff x="0" y="0"/>
+          <a:chExt cx="0" cy="0"/>
+        </a:xfrm>
+      </p:grpSpPr>
+      <p:sp>
+        <p:nvSpPr>
+          <p:cNvPr id="2" name="Title 1">
+            <a:extLst>
+              <a:ext uri="{FF2B5EF4-FFF2-40B4-BE49-F238E27FC236}">
+                <a16:creationId xmlns:a16="http://schemas.microsoft.com/office/drawing/2014/main" id="{AABD5FE3-9034-694E-9172-8617A3439B7C}"/>
+              </a:ext>
+            </a:extLst>
+          </p:cNvPr>
+          <p:cNvSpPr>
+            <a:spLocks noGrp="1"/>
+          </p:cNvSpPr>
+          <p:nvPr>
+            <p:ph type="title"/>
+          </p:nvPr>
+        </p:nvSpPr>
+        <p:spPr/>
+        <p:txBody>
+          <a:bodyPr/>
+          <a:lstStyle/>
+          <a:p>
+            <a:r>
+              <a:rPr lang="en-US" dirty="0"/>
+              <a:t>Pattern Factoring</a:t>
+            </a:r>
+          </a:p>
+        </p:txBody>
+      </p:sp>
+      <p:sp>
+        <p:nvSpPr>
+          <p:cNvPr id="3" name="Content Placeholder 2">
+            <a:extLst>
+              <a:ext uri="{FF2B5EF4-FFF2-40B4-BE49-F238E27FC236}">
+                <a16:creationId xmlns:a16="http://schemas.microsoft.com/office/drawing/2014/main" id="{21A94888-022E-B149-B4A6-2222BC8A1D13}"/>
+              </a:ext>
+            </a:extLst>
+          </p:cNvPr>
+          <p:cNvSpPr>
+            <a:spLocks noGrp="1"/>
+          </p:cNvSpPr>
+          <p:nvPr>
+            <p:ph idx="1"/>
+          </p:nvPr>
+        </p:nvSpPr>
+        <p:spPr>
+          <a:xfrm>
+            <a:off x="1524000" y="1905000"/>
+            <a:ext cx="7010400" cy="1143000"/>
+          </a:xfrm>
+        </p:spPr>
+        <p:txBody>
+          <a:bodyPr/>
+          <a:lstStyle/>
+          <a:p>
+            <a:r>
+              <a:rPr lang="en-US" dirty="0"/>
+              <a:t>What exactly is the input structure to the function ‘fold’ – difficult to see…</a:t>
+            </a:r>
+          </a:p>
+        </p:txBody>
+      </p:sp>
+      <p:pic>
+        <p:nvPicPr>
+          <p:cNvPr id="4" name="Picture 3">
+            <a:extLst>
+              <a:ext uri="{FF2B5EF4-FFF2-40B4-BE49-F238E27FC236}">
+                <a16:creationId xmlns:a16="http://schemas.microsoft.com/office/drawing/2014/main" id="{805EA302-517A-664D-BD90-DEF927A5505C}"/>
+              </a:ext>
+            </a:extLst>
+          </p:cNvPr>
+          <p:cNvPicPr>
+            <a:picLocks noChangeAspect="1"/>
+          </p:cNvPicPr>
+          <p:nvPr/>
+        </p:nvPicPr>
+        <p:blipFill>
+          <a:blip r:embed="rId2"/>
+          <a:stretch>
+            <a:fillRect/>
+          </a:stretch>
+        </p:blipFill>
+        <p:spPr>
+          <a:xfrm>
+            <a:off x="742950" y="4038600"/>
+            <a:ext cx="7658100" cy="824545"/>
+          </a:xfrm>
+          <a:prstGeom prst="rect">
+            <a:avLst/>
+          </a:prstGeom>
+          <a:ln>
+            <a:solidFill>
+              <a:schemeClr val="tx1"/>
+            </a:solidFill>
+          </a:ln>
+        </p:spPr>
+      </p:pic>
+    </p:spTree>
+    <p:extLst>
+      <p:ext uri="{BB962C8B-B14F-4D97-AF65-F5344CB8AC3E}">
+        <p14:creationId xmlns:p14="http://schemas.microsoft.com/office/powerpoint/2010/main" val="3365956849"/>
+      </p:ext>
+    </p:extLst>
+  </p:cSld>
+  <p:clrMapOvr>
+    <a:masterClrMapping/>
+  </p:clrMapOvr>
+</p:sld>
+</file>
+
+<file path=ppt/slides/slide6.xml><?xml version="1.0" encoding="utf-8"?>
+<p:sld xmlns:a="http://schemas.openxmlformats.org/drawingml/2006/main" xmlns:r="http://schemas.openxmlformats.org/officeDocument/2006/relationships" xmlns:p="http://schemas.openxmlformats.org/presentationml/2006/main">
+  <p:cSld>
+    <p:spTree>
+      <p:nvGrpSpPr>
+        <p:cNvPr id="1" name=""/>
+        <p:cNvGrpSpPr/>
+        <p:nvPr/>
+      </p:nvGrpSpPr>
+      <p:grpSpPr>
+        <a:xfrm>
+          <a:off x="0" y="0"/>
+          <a:ext cx="0" cy="0"/>
+          <a:chOff x="0" y="0"/>
+          <a:chExt cx="0" cy="0"/>
+        </a:xfrm>
+      </p:grpSpPr>
+      <p:sp>
+        <p:nvSpPr>
+          <p:cNvPr id="2" name="Title 1">
+            <a:extLst>
+              <a:ext uri="{FF2B5EF4-FFF2-40B4-BE49-F238E27FC236}">
+                <a16:creationId xmlns:a16="http://schemas.microsoft.com/office/drawing/2014/main" id="{AABD5FE3-9034-694E-9172-8617A3439B7C}"/>
+              </a:ext>
+            </a:extLst>
+          </p:cNvPr>
+          <p:cNvSpPr>
+            <a:spLocks noGrp="1"/>
+          </p:cNvSpPr>
+          <p:nvPr>
+            <p:ph type="title"/>
+          </p:nvPr>
+        </p:nvSpPr>
+        <p:spPr/>
+        <p:txBody>
+          <a:bodyPr/>
+          <a:lstStyle/>
+          <a:p>
+            <a:r>
+              <a:rPr lang="en-US" dirty="0"/>
+              <a:t>Pattern Factoring</a:t>
+            </a:r>
+          </a:p>
+        </p:txBody>
+      </p:sp>
+      <p:sp>
+        <p:nvSpPr>
+          <p:cNvPr id="3" name="Content Placeholder 2">
+            <a:extLst>
+              <a:ext uri="{FF2B5EF4-FFF2-40B4-BE49-F238E27FC236}">
+                <a16:creationId xmlns:a16="http://schemas.microsoft.com/office/drawing/2014/main" id="{21A94888-022E-B149-B4A6-2222BC8A1D13}"/>
+              </a:ext>
+            </a:extLst>
+          </p:cNvPr>
+          <p:cNvSpPr>
+            <a:spLocks noGrp="1"/>
+          </p:cNvSpPr>
+          <p:nvPr>
+            <p:ph idx="1"/>
+          </p:nvPr>
+        </p:nvSpPr>
+        <p:spPr>
+          <a:xfrm>
+            <a:off x="1524000" y="1905000"/>
+            <a:ext cx="7010400" cy="2362200"/>
+          </a:xfrm>
+        </p:spPr>
+        <p:txBody>
+          <a:bodyPr/>
+          <a:lstStyle/>
+          <a:p>
+            <a:r>
+              <a:rPr lang="en-US" dirty="0"/>
+              <a:t>Ahh – it is a pair where the first component is a positive scalar</a:t>
+            </a:r>
+          </a:p>
+          <a:p>
+            <a:pPr lvl="1"/>
+            <a:r>
+              <a:rPr lang="en-US" dirty="0"/>
+              <a:t>Using first-class patterns let’s us bring that to the forefront</a:t>
+            </a:r>
+          </a:p>
+          <a:p>
+            <a:pPr lvl="1"/>
+            <a:endParaRPr lang="en-US" dirty="0"/>
+          </a:p>
+        </p:txBody>
+      </p:sp>
+      <p:pic>
+        <p:nvPicPr>
+          <p:cNvPr id="5" name="Picture 4">
+            <a:extLst>
+              <a:ext uri="{FF2B5EF4-FFF2-40B4-BE49-F238E27FC236}">
+                <a16:creationId xmlns:a16="http://schemas.microsoft.com/office/drawing/2014/main" id="{BA75A59D-DE5C-C947-9680-4349034D2C3C}"/>
+              </a:ext>
+            </a:extLst>
+          </p:cNvPr>
+          <p:cNvPicPr>
+            <a:picLocks noChangeAspect="1"/>
+          </p:cNvPicPr>
+          <p:nvPr/>
+        </p:nvPicPr>
+        <p:blipFill>
+          <a:blip r:embed="rId2"/>
+          <a:stretch>
+            <a:fillRect/>
+          </a:stretch>
+        </p:blipFill>
+        <p:spPr>
+          <a:xfrm>
+            <a:off x="838200" y="4818358"/>
+            <a:ext cx="7467600" cy="1277642"/>
+          </a:xfrm>
+          <a:prstGeom prst="rect">
+            <a:avLst/>
+          </a:prstGeom>
+          <a:ln>
+            <a:solidFill>
+              <a:schemeClr val="tx1"/>
+            </a:solidFill>
+          </a:ln>
+        </p:spPr>
+      </p:pic>
+      <p:sp>
+        <p:nvSpPr>
+          <p:cNvPr id="6" name="Up Arrow 5">
+            <a:extLst>
+              <a:ext uri="{FF2B5EF4-FFF2-40B4-BE49-F238E27FC236}">
+                <a16:creationId xmlns:a16="http://schemas.microsoft.com/office/drawing/2014/main" id="{6CD8DFDE-0695-0941-9BBD-B02285CA8EFE}"/>
+              </a:ext>
+            </a:extLst>
+          </p:cNvPr>
+          <p:cNvSpPr/>
+          <p:nvPr/>
+        </p:nvSpPr>
+        <p:spPr bwMode="auto">
+          <a:xfrm rot="20581785">
+            <a:off x="3519654" y="5586008"/>
+            <a:ext cx="228600" cy="457200"/>
+          </a:xfrm>
+          <a:prstGeom prst="upArrow">
+            <a:avLst/>
+          </a:prstGeom>
+          <a:solidFill>
+            <a:srgbClr val="FF0000"/>
+          </a:solidFill>
+          <a:ln w="9525" cap="flat" cmpd="sng" algn="ctr">
+            <a:solidFill>
+              <a:schemeClr val="tx1"/>
+            </a:solidFill>
+            <a:prstDash val="solid"/>
+            <a:round/>
+            <a:headEnd type="none" w="med" len="med"/>
+            <a:tailEnd type="none" w="med" len="med"/>
+          </a:ln>
+          <a:effectLst/>
+          <a:extLst>
+            <a:ext uri="{AF507438-7753-43e0-B8FC-AC1667EBCBE1}">
+              <a14:hiddenEffects xmlns:a14="http://schemas.microsoft.com/office/drawing/2010/main" xmlns="">
+                <a:effectLst>
+                  <a:outerShdw blurRad="63500" dist="38099" dir="2700000" algn="ctr" rotWithShape="0">
+                    <a:schemeClr val="bg2">
+                      <a:alpha val="74998"/>
+                    </a:schemeClr>
+                  </a:outerShdw>
+                </a:effectLst>
+              </a14:hiddenEffects>
+            </a:ext>
+          </a:extLst>
+        </p:spPr>
+        <p:txBody>
+          <a:bodyPr vert="horz" wrap="square" lIns="91440" tIns="45720" rIns="91440" bIns="45720" numCol="1" rtlCol="0" anchor="t" anchorCtr="0" compatLnSpc="1">
+            <a:prstTxWarp prst="textNoShape">
+              <a:avLst/>
+            </a:prstTxWarp>
+          </a:bodyPr>
+          <a:lstStyle/>
+          <a:p>
+            <a:pPr marL="0" marR="0" indent="0" algn="l" defTabSz="914400" rtl="0" eaLnBrk="0" fontAlgn="base" latinLnBrk="0" hangingPunct="0">
+              <a:lnSpc>
+                <a:spcPct val="100000"/>
+              </a:lnSpc>
+              <a:spcBef>
+                <a:spcPct val="0"/>
+              </a:spcBef>
+              <a:spcAft>
+                <a:spcPct val="0"/>
+              </a:spcAft>
+              <a:buClrTx/>
+              <a:buSzTx/>
+              <a:buFontTx/>
+              <a:buNone/>
+              <a:tabLst/>
+            </a:pPr>
+            <a:endParaRPr kumimoji="0" lang="en-US" sz="1600" b="0" i="0" u="none" strike="noStrike" cap="none" normalizeH="0" baseline="0">
+              <a:ln>
+                <a:noFill/>
+              </a:ln>
+              <a:solidFill>
+                <a:srgbClr val="000000"/>
+              </a:solidFill>
+              <a:effectLst/>
+              <a:latin typeface="Arial" charset="0"/>
+              <a:ea typeface="ＭＳ Ｐゴシック" charset="0"/>
+            </a:endParaRPr>
+          </a:p>
+        </p:txBody>
+      </p:sp>
+    </p:spTree>
+    <p:extLst>
+      <p:ext uri="{BB962C8B-B14F-4D97-AF65-F5344CB8AC3E}">
+        <p14:creationId xmlns:p14="http://schemas.microsoft.com/office/powerpoint/2010/main" val="1629189872"/>
       </p:ext>
     </p:extLst>
   </p:cSld>

--- a/notes/csc493-ln015.pptx
+++ b/notes/csc493-ln015.pptx
@@ -5,10 +5,10 @@
     <p:sldMasterId id="2147483651" r:id="rId1"/>
   </p:sldMasterIdLst>
   <p:notesMasterIdLst>
-    <p:notesMasterId r:id="rId8"/>
+    <p:notesMasterId r:id="rId19"/>
   </p:notesMasterIdLst>
   <p:handoutMasterIdLst>
-    <p:handoutMasterId r:id="rId9"/>
+    <p:handoutMasterId r:id="rId20"/>
   </p:handoutMasterIdLst>
   <p:sldIdLst>
     <p:sldId id="267" r:id="rId2"/>
@@ -17,6 +17,17 @@
     <p:sldId id="270" r:id="rId5"/>
     <p:sldId id="271" r:id="rId6"/>
     <p:sldId id="272" r:id="rId7"/>
+    <p:sldId id="273" r:id="rId8"/>
+    <p:sldId id="274" r:id="rId9"/>
+    <p:sldId id="275" r:id="rId10"/>
+    <p:sldId id="276" r:id="rId11"/>
+    <p:sldId id="277" r:id="rId12"/>
+    <p:sldId id="278" r:id="rId13"/>
+    <p:sldId id="279" r:id="rId14"/>
+    <p:sldId id="280" r:id="rId15"/>
+    <p:sldId id="281" r:id="rId16"/>
+    <p:sldId id="282" r:id="rId17"/>
+    <p:sldId id="283" r:id="rId18"/>
   </p:sldIdLst>
   <p:sldSz cx="9144000" cy="6858000" type="screen4x3"/>
   <p:notesSz cx="6856413" cy="9083675"/>
@@ -5552,6 +5563,1470 @@
 </p:sld>
 </file>
 
+<file path=ppt/slides/slide10.xml><?xml version="1.0" encoding="utf-8"?>
+<p:sld xmlns:a="http://schemas.openxmlformats.org/drawingml/2006/main" xmlns:r="http://schemas.openxmlformats.org/officeDocument/2006/relationships" xmlns:p="http://schemas.openxmlformats.org/presentationml/2006/main">
+  <p:cSld>
+    <p:spTree>
+      <p:nvGrpSpPr>
+        <p:cNvPr id="1" name=""/>
+        <p:cNvGrpSpPr/>
+        <p:nvPr/>
+      </p:nvGrpSpPr>
+      <p:grpSpPr>
+        <a:xfrm>
+          <a:off x="0" y="0"/>
+          <a:ext cx="0" cy="0"/>
+          <a:chOff x="0" y="0"/>
+          <a:chExt cx="0" cy="0"/>
+        </a:xfrm>
+      </p:grpSpPr>
+      <p:sp>
+        <p:nvSpPr>
+          <p:cNvPr id="2" name="Title 1">
+            <a:extLst>
+              <a:ext uri="{FF2B5EF4-FFF2-40B4-BE49-F238E27FC236}">
+                <a16:creationId xmlns:a16="http://schemas.microsoft.com/office/drawing/2014/main" id="{289A4EC9-3296-0344-BCC1-AC2DEEBC8FE3}"/>
+              </a:ext>
+            </a:extLst>
+          </p:cNvPr>
+          <p:cNvSpPr>
+            <a:spLocks noGrp="1"/>
+          </p:cNvSpPr>
+          <p:nvPr>
+            <p:ph type="title"/>
+          </p:nvPr>
+        </p:nvSpPr>
+        <p:spPr/>
+        <p:txBody>
+          <a:bodyPr/>
+          <a:lstStyle/>
+          <a:p>
+            <a:r>
+              <a:rPr lang="en-US" dirty="0"/>
+              <a:t>Patterns as Constraints</a:t>
+            </a:r>
+          </a:p>
+        </p:txBody>
+      </p:sp>
+      <p:sp>
+        <p:nvSpPr>
+          <p:cNvPr id="4" name="TextBox 3">
+            <a:extLst>
+              <a:ext uri="{FF2B5EF4-FFF2-40B4-BE49-F238E27FC236}">
+                <a16:creationId xmlns:a16="http://schemas.microsoft.com/office/drawing/2014/main" id="{4D3F9FEE-C460-0F4A-930B-8B0ADD27E7AB}"/>
+              </a:ext>
+            </a:extLst>
+          </p:cNvPr>
+          <p:cNvSpPr txBox="1"/>
+          <p:nvPr/>
+        </p:nvSpPr>
+        <p:spPr>
+          <a:xfrm>
+            <a:off x="1905000" y="3995836"/>
+            <a:ext cx="1935145" cy="307777"/>
+          </a:xfrm>
+          <a:prstGeom prst="rect">
+            <a:avLst/>
+          </a:prstGeom>
+          <a:noFill/>
+        </p:spPr>
+        <p:txBody>
+          <a:bodyPr wrap="none" rtlCol="0">
+            <a:spAutoFit/>
+          </a:bodyPr>
+          <a:lstStyle/>
+          <a:p>
+            <a:r>
+              <a:rPr lang="en-US" sz="1400" dirty="0"/>
+              <a:t>ln015/constraint2a.ast</a:t>
+            </a:r>
+          </a:p>
+        </p:txBody>
+      </p:sp>
+      <p:pic>
+        <p:nvPicPr>
+          <p:cNvPr id="5" name="Picture 4">
+            <a:extLst>
+              <a:ext uri="{FF2B5EF4-FFF2-40B4-BE49-F238E27FC236}">
+                <a16:creationId xmlns:a16="http://schemas.microsoft.com/office/drawing/2014/main" id="{BA3F1B92-6995-7F4F-8F78-A1A9CF643649}"/>
+              </a:ext>
+            </a:extLst>
+          </p:cNvPr>
+          <p:cNvPicPr>
+            <a:picLocks noChangeAspect="1"/>
+          </p:cNvPicPr>
+          <p:nvPr/>
+        </p:nvPicPr>
+        <p:blipFill>
+          <a:blip r:embed="rId2"/>
+          <a:stretch>
+            <a:fillRect/>
+          </a:stretch>
+        </p:blipFill>
+        <p:spPr>
+          <a:xfrm>
+            <a:off x="609600" y="1828800"/>
+            <a:ext cx="7924800" cy="2050761"/>
+          </a:xfrm>
+          <a:prstGeom prst="rect">
+            <a:avLst/>
+          </a:prstGeom>
+          <a:ln>
+            <a:solidFill>
+              <a:schemeClr val="tx2"/>
+            </a:solidFill>
+          </a:ln>
+        </p:spPr>
+      </p:pic>
+    </p:spTree>
+    <p:extLst>
+      <p:ext uri="{BB962C8B-B14F-4D97-AF65-F5344CB8AC3E}">
+        <p14:creationId xmlns:p14="http://schemas.microsoft.com/office/powerpoint/2010/main" val="616337805"/>
+      </p:ext>
+    </p:extLst>
+  </p:cSld>
+  <p:clrMapOvr>
+    <a:masterClrMapping/>
+  </p:clrMapOvr>
+</p:sld>
+</file>
+
+<file path=ppt/slides/slide11.xml><?xml version="1.0" encoding="utf-8"?>
+<p:sld xmlns:a="http://schemas.openxmlformats.org/drawingml/2006/main" xmlns:r="http://schemas.openxmlformats.org/officeDocument/2006/relationships" xmlns:p="http://schemas.openxmlformats.org/presentationml/2006/main">
+  <p:cSld>
+    <p:spTree>
+      <p:nvGrpSpPr>
+        <p:cNvPr id="1" name=""/>
+        <p:cNvGrpSpPr/>
+        <p:nvPr/>
+      </p:nvGrpSpPr>
+      <p:grpSpPr>
+        <a:xfrm>
+          <a:off x="0" y="0"/>
+          <a:ext cx="0" cy="0"/>
+          <a:chOff x="0" y="0"/>
+          <a:chExt cx="0" cy="0"/>
+        </a:xfrm>
+      </p:grpSpPr>
+      <p:sp>
+        <p:nvSpPr>
+          <p:cNvPr id="3" name="Title 2">
+            <a:extLst>
+              <a:ext uri="{FF2B5EF4-FFF2-40B4-BE49-F238E27FC236}">
+                <a16:creationId xmlns:a16="http://schemas.microsoft.com/office/drawing/2014/main" id="{B6CFF26E-F778-9C4C-93B7-E4BA7A535CEC}"/>
+              </a:ext>
+            </a:extLst>
+          </p:cNvPr>
+          <p:cNvSpPr>
+            <a:spLocks noGrp="1"/>
+          </p:cNvSpPr>
+          <p:nvPr>
+            <p:ph type="title"/>
+          </p:nvPr>
+        </p:nvSpPr>
+        <p:spPr/>
+        <p:txBody>
+          <a:bodyPr/>
+          <a:lstStyle/>
+          <a:p>
+            <a:r>
+              <a:rPr lang="en-US" dirty="0"/>
+              <a:t>Patterns as Constraints</a:t>
+            </a:r>
+          </a:p>
+        </p:txBody>
+      </p:sp>
+      <p:sp>
+        <p:nvSpPr>
+          <p:cNvPr id="4" name="Content Placeholder 3">
+            <a:extLst>
+              <a:ext uri="{FF2B5EF4-FFF2-40B4-BE49-F238E27FC236}">
+                <a16:creationId xmlns:a16="http://schemas.microsoft.com/office/drawing/2014/main" id="{E3A9F25F-1434-4C48-9718-B5CF3711B521}"/>
+              </a:ext>
+            </a:extLst>
+          </p:cNvPr>
+          <p:cNvSpPr>
+            <a:spLocks noGrp="1"/>
+          </p:cNvSpPr>
+          <p:nvPr>
+            <p:ph idx="1"/>
+          </p:nvPr>
+        </p:nvSpPr>
+        <p:spPr/>
+        <p:txBody>
+          <a:bodyPr>
+            <a:normAutofit fontScale="92500" lnSpcReduction="10000"/>
+          </a:bodyPr>
+          <a:lstStyle/>
+          <a:p>
+            <a:r>
+              <a:rPr lang="en-US" dirty="0"/>
+              <a:t>We saw in each of the previous examples that the first-class pattern introduced an undesirable variable instantiation into the current scope of the program</a:t>
+            </a:r>
+          </a:p>
+          <a:p>
+            <a:r>
+              <a:rPr lang="en-US" dirty="0"/>
+              <a:t>We can prevent that with the </a:t>
+            </a:r>
+            <a:r>
+              <a:rPr lang="en-US" i="1" dirty="0"/>
+              <a:t>scope operator</a:t>
+            </a:r>
+            <a:r>
+              <a:rPr lang="en-US" dirty="0"/>
+              <a:t> %[…]% in a first-class pattern</a:t>
+            </a:r>
+          </a:p>
+          <a:p>
+            <a:pPr lvl="1"/>
+            <a:r>
+              <a:rPr lang="en-US" dirty="0"/>
+              <a:t>Any variable instantiated within the scope operator is not visible outside of the pattern</a:t>
+            </a:r>
+          </a:p>
+          <a:p>
+            <a:endParaRPr lang="en-US" dirty="0"/>
+          </a:p>
+        </p:txBody>
+      </p:sp>
+    </p:spTree>
+    <p:extLst>
+      <p:ext uri="{BB962C8B-B14F-4D97-AF65-F5344CB8AC3E}">
+        <p14:creationId xmlns:p14="http://schemas.microsoft.com/office/powerpoint/2010/main" val="3677296043"/>
+      </p:ext>
+    </p:extLst>
+  </p:cSld>
+  <p:clrMapOvr>
+    <a:masterClrMapping/>
+  </p:clrMapOvr>
+</p:sld>
+</file>
+
+<file path=ppt/slides/slide12.xml><?xml version="1.0" encoding="utf-8"?>
+<p:sld xmlns:a="http://schemas.openxmlformats.org/drawingml/2006/main" xmlns:r="http://schemas.openxmlformats.org/officeDocument/2006/relationships" xmlns:p="http://schemas.openxmlformats.org/presentationml/2006/main">
+  <p:cSld>
+    <p:spTree>
+      <p:nvGrpSpPr>
+        <p:cNvPr id="1" name=""/>
+        <p:cNvGrpSpPr/>
+        <p:nvPr/>
+      </p:nvGrpSpPr>
+      <p:grpSpPr>
+        <a:xfrm>
+          <a:off x="0" y="0"/>
+          <a:ext cx="0" cy="0"/>
+          <a:chOff x="0" y="0"/>
+          <a:chExt cx="0" cy="0"/>
+        </a:xfrm>
+      </p:grpSpPr>
+      <p:sp>
+        <p:nvSpPr>
+          <p:cNvPr id="2" name="Title 1">
+            <a:extLst>
+              <a:ext uri="{FF2B5EF4-FFF2-40B4-BE49-F238E27FC236}">
+                <a16:creationId xmlns:a16="http://schemas.microsoft.com/office/drawing/2014/main" id="{93FA3D16-99EB-9141-971D-B7A6E2E4921B}"/>
+              </a:ext>
+            </a:extLst>
+          </p:cNvPr>
+          <p:cNvSpPr>
+            <a:spLocks noGrp="1"/>
+          </p:cNvSpPr>
+          <p:nvPr>
+            <p:ph type="title"/>
+          </p:nvPr>
+        </p:nvSpPr>
+        <p:spPr/>
+        <p:txBody>
+          <a:bodyPr/>
+          <a:lstStyle/>
+          <a:p>
+            <a:r>
+              <a:rPr lang="en-US" dirty="0"/>
+              <a:t>Patterns as Constraints</a:t>
+            </a:r>
+          </a:p>
+        </p:txBody>
+      </p:sp>
+      <p:pic>
+        <p:nvPicPr>
+          <p:cNvPr id="4" name="Picture 3">
+            <a:extLst>
+              <a:ext uri="{FF2B5EF4-FFF2-40B4-BE49-F238E27FC236}">
+                <a16:creationId xmlns:a16="http://schemas.microsoft.com/office/drawing/2014/main" id="{CCDAEFA8-F3C7-534D-9A3D-9B9EC1785928}"/>
+              </a:ext>
+            </a:extLst>
+          </p:cNvPr>
+          <p:cNvPicPr>
+            <a:picLocks noChangeAspect="1"/>
+          </p:cNvPicPr>
+          <p:nvPr/>
+        </p:nvPicPr>
+        <p:blipFill>
+          <a:blip r:embed="rId2"/>
+          <a:stretch>
+            <a:fillRect/>
+          </a:stretch>
+        </p:blipFill>
+        <p:spPr>
+          <a:xfrm>
+            <a:off x="1612900" y="1905000"/>
+            <a:ext cx="5918200" cy="3721100"/>
+          </a:xfrm>
+          <a:prstGeom prst="rect">
+            <a:avLst/>
+          </a:prstGeom>
+          <a:ln>
+            <a:solidFill>
+              <a:schemeClr val="tx2"/>
+            </a:solidFill>
+          </a:ln>
+        </p:spPr>
+      </p:pic>
+      <p:sp>
+        <p:nvSpPr>
+          <p:cNvPr id="5" name="TextBox 4">
+            <a:extLst>
+              <a:ext uri="{FF2B5EF4-FFF2-40B4-BE49-F238E27FC236}">
+                <a16:creationId xmlns:a16="http://schemas.microsoft.com/office/drawing/2014/main" id="{2DFF3EAF-0587-F74B-B7FD-92DD81C96ECE}"/>
+              </a:ext>
+            </a:extLst>
+          </p:cNvPr>
+          <p:cNvSpPr txBox="1"/>
+          <p:nvPr/>
+        </p:nvSpPr>
+        <p:spPr>
+          <a:xfrm>
+            <a:off x="2133600" y="5813425"/>
+            <a:ext cx="1935145" cy="307777"/>
+          </a:xfrm>
+          <a:prstGeom prst="rect">
+            <a:avLst/>
+          </a:prstGeom>
+          <a:noFill/>
+        </p:spPr>
+        <p:txBody>
+          <a:bodyPr wrap="none" rtlCol="0">
+            <a:spAutoFit/>
+          </a:bodyPr>
+          <a:lstStyle/>
+          <a:p>
+            <a:r>
+              <a:rPr lang="en-US" sz="1400" dirty="0"/>
+              <a:t>ln015/constraint1b.ast</a:t>
+            </a:r>
+          </a:p>
+        </p:txBody>
+      </p:sp>
+      <p:sp>
+        <p:nvSpPr>
+          <p:cNvPr id="6" name="Down Arrow 5">
+            <a:extLst>
+              <a:ext uri="{FF2B5EF4-FFF2-40B4-BE49-F238E27FC236}">
+                <a16:creationId xmlns:a16="http://schemas.microsoft.com/office/drawing/2014/main" id="{72347E28-D37A-0C4F-A84B-03B6676A9033}"/>
+              </a:ext>
+            </a:extLst>
+          </p:cNvPr>
+          <p:cNvSpPr/>
+          <p:nvPr/>
+        </p:nvSpPr>
+        <p:spPr bwMode="auto">
+          <a:xfrm rot="1718308">
+            <a:off x="5562600" y="1717675"/>
+            <a:ext cx="152400" cy="415925"/>
+          </a:xfrm>
+          <a:prstGeom prst="downArrow">
+            <a:avLst/>
+          </a:prstGeom>
+          <a:solidFill>
+            <a:srgbClr val="FF0000"/>
+          </a:solidFill>
+          <a:ln w="9525" cap="flat" cmpd="sng" algn="ctr">
+            <a:solidFill>
+              <a:schemeClr val="tx1"/>
+            </a:solidFill>
+            <a:prstDash val="solid"/>
+            <a:round/>
+            <a:headEnd type="none" w="med" len="med"/>
+            <a:tailEnd type="none" w="med" len="med"/>
+          </a:ln>
+          <a:effectLst/>
+          <a:extLst>
+            <a:ext uri="{AF507438-7753-43e0-B8FC-AC1667EBCBE1}">
+              <a14:hiddenEffects xmlns:a14="http://schemas.microsoft.com/office/drawing/2010/main" xmlns="">
+                <a:effectLst>
+                  <a:outerShdw blurRad="63500" dist="38099" dir="2700000" algn="ctr" rotWithShape="0">
+                    <a:schemeClr val="bg2">
+                      <a:alpha val="74998"/>
+                    </a:schemeClr>
+                  </a:outerShdw>
+                </a:effectLst>
+              </a14:hiddenEffects>
+            </a:ext>
+          </a:extLst>
+        </p:spPr>
+        <p:txBody>
+          <a:bodyPr vert="horz" wrap="square" lIns="91440" tIns="45720" rIns="91440" bIns="45720" numCol="1" rtlCol="0" anchor="t" anchorCtr="0" compatLnSpc="1">
+            <a:prstTxWarp prst="textNoShape">
+              <a:avLst/>
+            </a:prstTxWarp>
+          </a:bodyPr>
+          <a:lstStyle/>
+          <a:p>
+            <a:pPr marL="0" marR="0" indent="0" algn="l" defTabSz="914400" rtl="0" eaLnBrk="0" fontAlgn="base" latinLnBrk="0" hangingPunct="0">
+              <a:lnSpc>
+                <a:spcPct val="100000"/>
+              </a:lnSpc>
+              <a:spcBef>
+                <a:spcPct val="0"/>
+              </a:spcBef>
+              <a:spcAft>
+                <a:spcPct val="0"/>
+              </a:spcAft>
+              <a:buClrTx/>
+              <a:buSzTx/>
+              <a:buFontTx/>
+              <a:buNone/>
+              <a:tabLst/>
+            </a:pPr>
+            <a:endParaRPr kumimoji="0" lang="en-US" sz="1600" b="0" i="0" u="none" strike="noStrike" cap="none" normalizeH="0" baseline="0">
+              <a:ln>
+                <a:noFill/>
+              </a:ln>
+              <a:solidFill>
+                <a:srgbClr val="000000"/>
+              </a:solidFill>
+              <a:effectLst/>
+              <a:latin typeface="Arial" charset="0"/>
+              <a:ea typeface="ＭＳ Ｐゴシック" charset="0"/>
+            </a:endParaRPr>
+          </a:p>
+        </p:txBody>
+      </p:sp>
+    </p:spTree>
+    <p:extLst>
+      <p:ext uri="{BB962C8B-B14F-4D97-AF65-F5344CB8AC3E}">
+        <p14:creationId xmlns:p14="http://schemas.microsoft.com/office/powerpoint/2010/main" val="3974111192"/>
+      </p:ext>
+    </p:extLst>
+  </p:cSld>
+  <p:clrMapOvr>
+    <a:masterClrMapping/>
+  </p:clrMapOvr>
+</p:sld>
+</file>
+
+<file path=ppt/slides/slide13.xml><?xml version="1.0" encoding="utf-8"?>
+<p:sld xmlns:a="http://schemas.openxmlformats.org/drawingml/2006/main" xmlns:r="http://schemas.openxmlformats.org/officeDocument/2006/relationships" xmlns:p="http://schemas.openxmlformats.org/presentationml/2006/main">
+  <p:cSld>
+    <p:spTree>
+      <p:nvGrpSpPr>
+        <p:cNvPr id="1" name=""/>
+        <p:cNvGrpSpPr/>
+        <p:nvPr/>
+      </p:nvGrpSpPr>
+      <p:grpSpPr>
+        <a:xfrm>
+          <a:off x="0" y="0"/>
+          <a:ext cx="0" cy="0"/>
+          <a:chOff x="0" y="0"/>
+          <a:chExt cx="0" cy="0"/>
+        </a:xfrm>
+      </p:grpSpPr>
+      <p:sp>
+        <p:nvSpPr>
+          <p:cNvPr id="2" name="Title 1">
+            <a:extLst>
+              <a:ext uri="{FF2B5EF4-FFF2-40B4-BE49-F238E27FC236}">
+                <a16:creationId xmlns:a16="http://schemas.microsoft.com/office/drawing/2014/main" id="{93FA3D16-99EB-9141-971D-B7A6E2E4921B}"/>
+              </a:ext>
+            </a:extLst>
+          </p:cNvPr>
+          <p:cNvSpPr>
+            <a:spLocks noGrp="1"/>
+          </p:cNvSpPr>
+          <p:nvPr>
+            <p:ph type="title"/>
+          </p:nvPr>
+        </p:nvSpPr>
+        <p:spPr/>
+        <p:txBody>
+          <a:bodyPr/>
+          <a:lstStyle/>
+          <a:p>
+            <a:r>
+              <a:rPr lang="en-US" dirty="0"/>
+              <a:t>Patterns as Constraints</a:t>
+            </a:r>
+          </a:p>
+        </p:txBody>
+      </p:sp>
+      <p:grpSp>
+        <p:nvGrpSpPr>
+          <p:cNvPr id="7" name="Group 6">
+            <a:extLst>
+              <a:ext uri="{FF2B5EF4-FFF2-40B4-BE49-F238E27FC236}">
+                <a16:creationId xmlns:a16="http://schemas.microsoft.com/office/drawing/2014/main" id="{92842563-93B2-4246-9369-46F298D1F161}"/>
+              </a:ext>
+            </a:extLst>
+          </p:cNvPr>
+          <p:cNvGrpSpPr/>
+          <p:nvPr/>
+        </p:nvGrpSpPr>
+        <p:grpSpPr>
+          <a:xfrm>
+            <a:off x="914400" y="2200153"/>
+            <a:ext cx="7048500" cy="3289224"/>
+            <a:chOff x="914400" y="2200153"/>
+            <a:chExt cx="7048500" cy="3289224"/>
+          </a:xfrm>
+        </p:grpSpPr>
+        <p:pic>
+          <p:nvPicPr>
+            <p:cNvPr id="3" name="Picture 2">
+              <a:extLst>
+                <a:ext uri="{FF2B5EF4-FFF2-40B4-BE49-F238E27FC236}">
+                  <a16:creationId xmlns:a16="http://schemas.microsoft.com/office/drawing/2014/main" id="{97A9D46D-D7F0-E84D-A990-3294100FA573}"/>
+                </a:ext>
+              </a:extLst>
+            </p:cNvPr>
+            <p:cNvPicPr>
+              <a:picLocks noChangeAspect="1"/>
+            </p:cNvPicPr>
+            <p:nvPr/>
+          </p:nvPicPr>
+          <p:blipFill>
+            <a:blip r:embed="rId2"/>
+            <a:stretch>
+              <a:fillRect/>
+            </a:stretch>
+          </p:blipFill>
+          <p:spPr>
+            <a:xfrm>
+              <a:off x="914400" y="2425700"/>
+              <a:ext cx="7048500" cy="2527300"/>
+            </a:xfrm>
+            <a:prstGeom prst="rect">
+              <a:avLst/>
+            </a:prstGeom>
+            <a:ln>
+              <a:solidFill>
+                <a:schemeClr val="tx2"/>
+              </a:solidFill>
+            </a:ln>
+          </p:spPr>
+        </p:pic>
+        <p:sp>
+          <p:nvSpPr>
+            <p:cNvPr id="5" name="TextBox 4">
+              <a:extLst>
+                <a:ext uri="{FF2B5EF4-FFF2-40B4-BE49-F238E27FC236}">
+                  <a16:creationId xmlns:a16="http://schemas.microsoft.com/office/drawing/2014/main" id="{2DFF3EAF-0587-F74B-B7FD-92DD81C96ECE}"/>
+                </a:ext>
+              </a:extLst>
+            </p:cNvPr>
+            <p:cNvSpPr txBox="1"/>
+            <p:nvPr/>
+          </p:nvSpPr>
+          <p:spPr>
+            <a:xfrm>
+              <a:off x="2133600" y="5181600"/>
+              <a:ext cx="1935145" cy="307777"/>
+            </a:xfrm>
+            <a:prstGeom prst="rect">
+              <a:avLst/>
+            </a:prstGeom>
+            <a:noFill/>
+          </p:spPr>
+          <p:txBody>
+            <a:bodyPr wrap="none" rtlCol="0">
+              <a:spAutoFit/>
+            </a:bodyPr>
+            <a:lstStyle/>
+            <a:p>
+              <a:r>
+                <a:rPr lang="en-US" sz="1400" dirty="0"/>
+                <a:t>ln015/constraint2b.ast</a:t>
+              </a:r>
+            </a:p>
+          </p:txBody>
+        </p:sp>
+        <p:sp>
+          <p:nvSpPr>
+            <p:cNvPr id="6" name="Down Arrow 5">
+              <a:extLst>
+                <a:ext uri="{FF2B5EF4-FFF2-40B4-BE49-F238E27FC236}">
+                  <a16:creationId xmlns:a16="http://schemas.microsoft.com/office/drawing/2014/main" id="{72347E28-D37A-0C4F-A84B-03B6676A9033}"/>
+                </a:ext>
+              </a:extLst>
+            </p:cNvPr>
+            <p:cNvSpPr/>
+            <p:nvPr/>
+          </p:nvSpPr>
+          <p:spPr bwMode="auto">
+            <a:xfrm rot="1718308">
+              <a:off x="5562600" y="2200153"/>
+              <a:ext cx="152400" cy="415925"/>
+            </a:xfrm>
+            <a:prstGeom prst="downArrow">
+              <a:avLst/>
+            </a:prstGeom>
+            <a:solidFill>
+              <a:srgbClr val="FF0000"/>
+            </a:solidFill>
+            <a:ln w="9525" cap="flat" cmpd="sng" algn="ctr">
+              <a:solidFill>
+                <a:schemeClr val="tx1"/>
+              </a:solidFill>
+              <a:prstDash val="solid"/>
+              <a:round/>
+              <a:headEnd type="none" w="med" len="med"/>
+              <a:tailEnd type="none" w="med" len="med"/>
+            </a:ln>
+            <a:effectLst/>
+            <a:extLst>
+              <a:ext uri="{AF507438-7753-43e0-B8FC-AC1667EBCBE1}">
+                <a14:hiddenEffects xmlns="" xmlns:a14="http://schemas.microsoft.com/office/drawing/2010/main">
+                  <a:effectLst>
+                    <a:outerShdw blurRad="63500" dist="38099" dir="2700000" algn="ctr" rotWithShape="0">
+                      <a:schemeClr val="bg2">
+                        <a:alpha val="74998"/>
+                      </a:schemeClr>
+                    </a:outerShdw>
+                  </a:effectLst>
+                </a14:hiddenEffects>
+              </a:ext>
+            </a:extLst>
+          </p:spPr>
+          <p:txBody>
+            <a:bodyPr vert="horz" wrap="square" lIns="91440" tIns="45720" rIns="91440" bIns="45720" numCol="1" rtlCol="0" anchor="t" anchorCtr="0" compatLnSpc="1">
+              <a:prstTxWarp prst="textNoShape">
+                <a:avLst/>
+              </a:prstTxWarp>
+            </a:bodyPr>
+            <a:lstStyle/>
+            <a:p>
+              <a:pPr marL="0" marR="0" indent="0" algn="l" defTabSz="914400" rtl="0" eaLnBrk="0" fontAlgn="base" latinLnBrk="0" hangingPunct="0">
+                <a:lnSpc>
+                  <a:spcPct val="100000"/>
+                </a:lnSpc>
+                <a:spcBef>
+                  <a:spcPct val="0"/>
+                </a:spcBef>
+                <a:spcAft>
+                  <a:spcPct val="0"/>
+                </a:spcAft>
+                <a:buClrTx/>
+                <a:buSzTx/>
+                <a:buFontTx/>
+                <a:buNone/>
+                <a:tabLst/>
+              </a:pPr>
+              <a:endParaRPr kumimoji="0" lang="en-US" sz="1600" b="0" i="0" u="none" strike="noStrike" cap="none" normalizeH="0" baseline="0">
+                <a:ln>
+                  <a:noFill/>
+                </a:ln>
+                <a:solidFill>
+                  <a:srgbClr val="000000"/>
+                </a:solidFill>
+                <a:effectLst/>
+                <a:latin typeface="Arial" charset="0"/>
+                <a:ea typeface="ＭＳ Ｐゴシック" charset="0"/>
+              </a:endParaRPr>
+            </a:p>
+          </p:txBody>
+        </p:sp>
+      </p:grpSp>
+    </p:spTree>
+    <p:extLst>
+      <p:ext uri="{BB962C8B-B14F-4D97-AF65-F5344CB8AC3E}">
+        <p14:creationId xmlns:p14="http://schemas.microsoft.com/office/powerpoint/2010/main" val="4003051961"/>
+      </p:ext>
+    </p:extLst>
+  </p:cSld>
+  <p:clrMapOvr>
+    <a:masterClrMapping/>
+  </p:clrMapOvr>
+</p:sld>
+</file>
+
+<file path=ppt/slides/slide14.xml><?xml version="1.0" encoding="utf-8"?>
+<p:sld xmlns:a="http://schemas.openxmlformats.org/drawingml/2006/main" xmlns:r="http://schemas.openxmlformats.org/officeDocument/2006/relationships" xmlns:p="http://schemas.openxmlformats.org/presentationml/2006/main">
+  <p:cSld>
+    <p:spTree>
+      <p:nvGrpSpPr>
+        <p:cNvPr id="1" name=""/>
+        <p:cNvGrpSpPr/>
+        <p:nvPr/>
+      </p:nvGrpSpPr>
+      <p:grpSpPr>
+        <a:xfrm>
+          <a:off x="0" y="0"/>
+          <a:ext cx="0" cy="0"/>
+          <a:chOff x="0" y="0"/>
+          <a:chExt cx="0" cy="0"/>
+        </a:xfrm>
+      </p:grpSpPr>
+      <p:sp>
+        <p:nvSpPr>
+          <p:cNvPr id="3" name="Title 2">
+            <a:extLst>
+              <a:ext uri="{FF2B5EF4-FFF2-40B4-BE49-F238E27FC236}">
+                <a16:creationId xmlns:a16="http://schemas.microsoft.com/office/drawing/2014/main" id="{71E160E0-6FCF-9443-A212-038CEE1BA02A}"/>
+              </a:ext>
+            </a:extLst>
+          </p:cNvPr>
+          <p:cNvSpPr>
+            <a:spLocks noGrp="1"/>
+          </p:cNvSpPr>
+          <p:nvPr>
+            <p:ph type="title"/>
+          </p:nvPr>
+        </p:nvSpPr>
+        <p:spPr/>
+        <p:txBody>
+          <a:bodyPr/>
+          <a:lstStyle/>
+          <a:p>
+            <a:r>
+              <a:rPr lang="en-US" dirty="0"/>
+              <a:t>Managing Pattern Variable Bindings</a:t>
+            </a:r>
+          </a:p>
+        </p:txBody>
+      </p:sp>
+      <p:sp>
+        <p:nvSpPr>
+          <p:cNvPr id="4" name="Content Placeholder 3">
+            <a:extLst>
+              <a:ext uri="{FF2B5EF4-FFF2-40B4-BE49-F238E27FC236}">
+                <a16:creationId xmlns:a16="http://schemas.microsoft.com/office/drawing/2014/main" id="{E24F9B81-42C7-6F41-9588-CD2176D64F06}"/>
+              </a:ext>
+            </a:extLst>
+          </p:cNvPr>
+          <p:cNvSpPr>
+            <a:spLocks noGrp="1"/>
+          </p:cNvSpPr>
+          <p:nvPr>
+            <p:ph idx="1"/>
+          </p:nvPr>
+        </p:nvSpPr>
+        <p:spPr/>
+        <p:txBody>
+          <a:bodyPr>
+            <a:normAutofit fontScale="92500" lnSpcReduction="20000"/>
+          </a:bodyPr>
+          <a:lstStyle/>
+          <a:p>
+            <a:r>
+              <a:rPr lang="en-US" dirty="0"/>
+              <a:t>As we have seen: repeated first-class patterns lead to non-linearities</a:t>
+            </a:r>
+          </a:p>
+          <a:p>
+            <a:pPr lvl="1"/>
+            <a:r>
+              <a:rPr lang="en-US" dirty="0"/>
+              <a:t>The scope operator allows us to manage this hiding the variables</a:t>
+            </a:r>
+          </a:p>
+          <a:p>
+            <a:r>
+              <a:rPr lang="en-US" dirty="0"/>
+              <a:t>BUT, what if we want the variables of repeated first-class patterns to be bound into our current scope in some shape or form?</a:t>
+            </a:r>
+          </a:p>
+          <a:p>
+            <a:pPr lvl="1"/>
+            <a:r>
+              <a:rPr lang="en-US" dirty="0"/>
+              <a:t>The scope operator allows us to selectively bind variables into our current scope</a:t>
+            </a:r>
+          </a:p>
+        </p:txBody>
+      </p:sp>
+    </p:spTree>
+    <p:extLst>
+      <p:ext uri="{BB962C8B-B14F-4D97-AF65-F5344CB8AC3E}">
+        <p14:creationId xmlns:p14="http://schemas.microsoft.com/office/powerpoint/2010/main" val="1083664190"/>
+      </p:ext>
+    </p:extLst>
+  </p:cSld>
+  <p:clrMapOvr>
+    <a:masterClrMapping/>
+  </p:clrMapOvr>
+</p:sld>
+</file>
+
+<file path=ppt/slides/slide15.xml><?xml version="1.0" encoding="utf-8"?>
+<p:sld xmlns:a="http://schemas.openxmlformats.org/drawingml/2006/main" xmlns:r="http://schemas.openxmlformats.org/officeDocument/2006/relationships" xmlns:p="http://schemas.openxmlformats.org/presentationml/2006/main">
+  <p:cSld>
+    <p:spTree>
+      <p:nvGrpSpPr>
+        <p:cNvPr id="1" name=""/>
+        <p:cNvGrpSpPr/>
+        <p:nvPr/>
+      </p:nvGrpSpPr>
+      <p:grpSpPr>
+        <a:xfrm>
+          <a:off x="0" y="0"/>
+          <a:ext cx="0" cy="0"/>
+          <a:chOff x="0" y="0"/>
+          <a:chExt cx="0" cy="0"/>
+        </a:xfrm>
+      </p:grpSpPr>
+      <p:sp>
+        <p:nvSpPr>
+          <p:cNvPr id="3" name="Title 2">
+            <a:extLst>
+              <a:ext uri="{FF2B5EF4-FFF2-40B4-BE49-F238E27FC236}">
+                <a16:creationId xmlns:a16="http://schemas.microsoft.com/office/drawing/2014/main" id="{71E160E0-6FCF-9443-A212-038CEE1BA02A}"/>
+              </a:ext>
+            </a:extLst>
+          </p:cNvPr>
+          <p:cNvSpPr>
+            <a:spLocks noGrp="1"/>
+          </p:cNvSpPr>
+          <p:nvPr>
+            <p:ph type="title"/>
+          </p:nvPr>
+        </p:nvSpPr>
+        <p:spPr/>
+        <p:txBody>
+          <a:bodyPr/>
+          <a:lstStyle/>
+          <a:p>
+            <a:r>
+              <a:rPr lang="en-US" dirty="0"/>
+              <a:t>Managing Pattern Variable Bindings</a:t>
+            </a:r>
+          </a:p>
+        </p:txBody>
+      </p:sp>
+      <p:sp>
+        <p:nvSpPr>
+          <p:cNvPr id="2" name="Content Placeholder 1">
+            <a:extLst>
+              <a:ext uri="{FF2B5EF4-FFF2-40B4-BE49-F238E27FC236}">
+                <a16:creationId xmlns:a16="http://schemas.microsoft.com/office/drawing/2014/main" id="{23EA0C76-B5BF-0340-8726-F21B343AB024}"/>
+              </a:ext>
+            </a:extLst>
+          </p:cNvPr>
+          <p:cNvSpPr>
+            <a:spLocks noGrp="1"/>
+          </p:cNvSpPr>
+          <p:nvPr>
+            <p:ph idx="1"/>
+          </p:nvPr>
+        </p:nvSpPr>
+        <p:spPr/>
+        <p:txBody>
+          <a:bodyPr>
+            <a:normAutofit lnSpcReduction="10000"/>
+          </a:bodyPr>
+          <a:lstStyle/>
+          <a:p>
+            <a:r>
+              <a:rPr lang="en-US" dirty="0"/>
+              <a:t>Consider that we want to compute the dot product of two 2D vectors,</a:t>
+            </a:r>
+          </a:p>
+          <a:p>
+            <a:pPr lvl="1"/>
+            <a:r>
+              <a:rPr lang="en-US" dirty="0"/>
+              <a:t>(x1,y1) • (x2,y2)</a:t>
+            </a:r>
+          </a:p>
+          <a:p>
+            <a:r>
+              <a:rPr lang="en-US" dirty="0"/>
+              <a:t>Writing this as a function</a:t>
+            </a:r>
+          </a:p>
+          <a:p>
+            <a:pPr lvl="1"/>
+            <a:r>
+              <a:rPr lang="en-US" dirty="0"/>
+              <a:t>dot ((x1,y1),(x2,y2))</a:t>
+            </a:r>
+          </a:p>
+          <a:p>
+            <a:r>
+              <a:rPr lang="en-US" dirty="0"/>
+              <a:t>The function takes a pair of pairs, the inner pairs must be pairs of scalars in order for the dot operation to make sense</a:t>
+            </a:r>
+          </a:p>
+        </p:txBody>
+      </p:sp>
+    </p:spTree>
+    <p:extLst>
+      <p:ext uri="{BB962C8B-B14F-4D97-AF65-F5344CB8AC3E}">
+        <p14:creationId xmlns:p14="http://schemas.microsoft.com/office/powerpoint/2010/main" val="426478072"/>
+      </p:ext>
+    </p:extLst>
+  </p:cSld>
+  <p:clrMapOvr>
+    <a:masterClrMapping/>
+  </p:clrMapOvr>
+</p:sld>
+</file>
+
+<file path=ppt/slides/slide16.xml><?xml version="1.0" encoding="utf-8"?>
+<p:sld xmlns:a="http://schemas.openxmlformats.org/drawingml/2006/main" xmlns:r="http://schemas.openxmlformats.org/officeDocument/2006/relationships" xmlns:p="http://schemas.openxmlformats.org/presentationml/2006/main">
+  <p:cSld>
+    <p:spTree>
+      <p:nvGrpSpPr>
+        <p:cNvPr id="1" name=""/>
+        <p:cNvGrpSpPr/>
+        <p:nvPr/>
+      </p:nvGrpSpPr>
+      <p:grpSpPr>
+        <a:xfrm>
+          <a:off x="0" y="0"/>
+          <a:ext cx="0" cy="0"/>
+          <a:chOff x="0" y="0"/>
+          <a:chExt cx="0" cy="0"/>
+        </a:xfrm>
+      </p:grpSpPr>
+      <p:sp>
+        <p:nvSpPr>
+          <p:cNvPr id="3" name="Title 2">
+            <a:extLst>
+              <a:ext uri="{FF2B5EF4-FFF2-40B4-BE49-F238E27FC236}">
+                <a16:creationId xmlns:a16="http://schemas.microsoft.com/office/drawing/2014/main" id="{71E160E0-6FCF-9443-A212-038CEE1BA02A}"/>
+              </a:ext>
+            </a:extLst>
+          </p:cNvPr>
+          <p:cNvSpPr>
+            <a:spLocks noGrp="1"/>
+          </p:cNvSpPr>
+          <p:nvPr>
+            <p:ph type="title"/>
+          </p:nvPr>
+        </p:nvSpPr>
+        <p:spPr/>
+        <p:txBody>
+          <a:bodyPr/>
+          <a:lstStyle/>
+          <a:p>
+            <a:r>
+              <a:rPr lang="en-US" dirty="0"/>
+              <a:t>Managing Pattern Variable Bindings</a:t>
+            </a:r>
+          </a:p>
+        </p:txBody>
+      </p:sp>
+      <p:sp>
+        <p:nvSpPr>
+          <p:cNvPr id="2" name="Content Placeholder 1">
+            <a:extLst>
+              <a:ext uri="{FF2B5EF4-FFF2-40B4-BE49-F238E27FC236}">
+                <a16:creationId xmlns:a16="http://schemas.microsoft.com/office/drawing/2014/main" id="{23EA0C76-B5BF-0340-8726-F21B343AB024}"/>
+              </a:ext>
+            </a:extLst>
+          </p:cNvPr>
+          <p:cNvSpPr>
+            <a:spLocks noGrp="1"/>
+          </p:cNvSpPr>
+          <p:nvPr>
+            <p:ph idx="1"/>
+          </p:nvPr>
+        </p:nvSpPr>
+        <p:spPr>
+          <a:xfrm>
+            <a:off x="1524000" y="1905000"/>
+            <a:ext cx="7010400" cy="2057400"/>
+          </a:xfrm>
+        </p:spPr>
+        <p:txBody>
+          <a:bodyPr>
+            <a:normAutofit fontScale="77500" lnSpcReduction="20000"/>
+          </a:bodyPr>
+          <a:lstStyle/>
+          <a:p>
+            <a:r>
+              <a:rPr lang="en-US" dirty="0"/>
+              <a:t>First attempt without first-class patterns</a:t>
+            </a:r>
+          </a:p>
+          <a:p>
+            <a:r>
+              <a:rPr lang="en-US" dirty="0"/>
+              <a:t>It’s a mess…the function definition becomes almost unreadable</a:t>
+            </a:r>
+            <a:br>
+              <a:rPr lang="en-US" dirty="0"/>
+            </a:br>
+            <a:endParaRPr lang="en-US" dirty="0"/>
+          </a:p>
+          <a:p>
+            <a:pPr marL="0" indent="0">
+              <a:buNone/>
+            </a:pPr>
+            <a:r>
+              <a:rPr lang="en-US" dirty="0"/>
+              <a:t>☞ We can solve this by </a:t>
+            </a:r>
+            <a:r>
+              <a:rPr lang="en-US" b="1" dirty="0"/>
+              <a:t>pattern factoring </a:t>
+            </a:r>
+            <a:r>
+              <a:rPr lang="en-US" dirty="0"/>
+              <a:t>with first-class patterns</a:t>
+            </a:r>
+          </a:p>
+        </p:txBody>
+      </p:sp>
+      <p:pic>
+        <p:nvPicPr>
+          <p:cNvPr id="4" name="Picture 3">
+            <a:extLst>
+              <a:ext uri="{FF2B5EF4-FFF2-40B4-BE49-F238E27FC236}">
+                <a16:creationId xmlns:a16="http://schemas.microsoft.com/office/drawing/2014/main" id="{FCE29F9C-F024-7C44-86D5-BB0A85A3C67D}"/>
+              </a:ext>
+            </a:extLst>
+          </p:cNvPr>
+          <p:cNvPicPr>
+            <a:picLocks noChangeAspect="1"/>
+          </p:cNvPicPr>
+          <p:nvPr/>
+        </p:nvPicPr>
+        <p:blipFill>
+          <a:blip r:embed="rId2"/>
+          <a:stretch>
+            <a:fillRect/>
+          </a:stretch>
+        </p:blipFill>
+        <p:spPr>
+          <a:xfrm>
+            <a:off x="304800" y="4377813"/>
+            <a:ext cx="8352692" cy="1260987"/>
+          </a:xfrm>
+          <a:prstGeom prst="rect">
+            <a:avLst/>
+          </a:prstGeom>
+          <a:ln>
+            <a:solidFill>
+              <a:schemeClr val="tx2"/>
+            </a:solidFill>
+          </a:ln>
+        </p:spPr>
+      </p:pic>
+      <p:sp>
+        <p:nvSpPr>
+          <p:cNvPr id="5" name="TextBox 4">
+            <a:extLst>
+              <a:ext uri="{FF2B5EF4-FFF2-40B4-BE49-F238E27FC236}">
+                <a16:creationId xmlns:a16="http://schemas.microsoft.com/office/drawing/2014/main" id="{A98C2AF7-DF68-AA49-A436-7F7F1A16863B}"/>
+              </a:ext>
+            </a:extLst>
+          </p:cNvPr>
+          <p:cNvSpPr txBox="1"/>
+          <p:nvPr/>
+        </p:nvSpPr>
+        <p:spPr>
+          <a:xfrm>
+            <a:off x="1477108" y="5791200"/>
+            <a:ext cx="1308371" cy="307777"/>
+          </a:xfrm>
+          <a:prstGeom prst="rect">
+            <a:avLst/>
+          </a:prstGeom>
+          <a:noFill/>
+        </p:spPr>
+        <p:txBody>
+          <a:bodyPr wrap="none" rtlCol="0">
+            <a:spAutoFit/>
+          </a:bodyPr>
+          <a:lstStyle/>
+          <a:p>
+            <a:r>
+              <a:rPr lang="en-US" sz="1400" dirty="0"/>
+              <a:t>ln015/dot1.ast</a:t>
+            </a:r>
+          </a:p>
+        </p:txBody>
+      </p:sp>
+    </p:spTree>
+    <p:extLst>
+      <p:ext uri="{BB962C8B-B14F-4D97-AF65-F5344CB8AC3E}">
+        <p14:creationId xmlns:p14="http://schemas.microsoft.com/office/powerpoint/2010/main" val="1140461898"/>
+      </p:ext>
+    </p:extLst>
+  </p:cSld>
+  <p:clrMapOvr>
+    <a:masterClrMapping/>
+  </p:clrMapOvr>
+</p:sld>
+</file>
+
+<file path=ppt/slides/slide17.xml><?xml version="1.0" encoding="utf-8"?>
+<p:sld xmlns:a="http://schemas.openxmlformats.org/drawingml/2006/main" xmlns:r="http://schemas.openxmlformats.org/officeDocument/2006/relationships" xmlns:p="http://schemas.openxmlformats.org/presentationml/2006/main">
+  <p:cSld>
+    <p:spTree>
+      <p:nvGrpSpPr>
+        <p:cNvPr id="1" name=""/>
+        <p:cNvGrpSpPr/>
+        <p:nvPr/>
+      </p:nvGrpSpPr>
+      <p:grpSpPr>
+        <a:xfrm>
+          <a:off x="0" y="0"/>
+          <a:ext cx="0" cy="0"/>
+          <a:chOff x="0" y="0"/>
+          <a:chExt cx="0" cy="0"/>
+        </a:xfrm>
+      </p:grpSpPr>
+      <p:sp>
+        <p:nvSpPr>
+          <p:cNvPr id="4" name="Title 3">
+            <a:extLst>
+              <a:ext uri="{FF2B5EF4-FFF2-40B4-BE49-F238E27FC236}">
+                <a16:creationId xmlns:a16="http://schemas.microsoft.com/office/drawing/2014/main" id="{312749B1-7A12-AB46-94A6-4E3ED6526BB9}"/>
+              </a:ext>
+            </a:extLst>
+          </p:cNvPr>
+          <p:cNvSpPr>
+            <a:spLocks noGrp="1"/>
+          </p:cNvSpPr>
+          <p:nvPr>
+            <p:ph type="title"/>
+          </p:nvPr>
+        </p:nvSpPr>
+        <p:spPr/>
+        <p:txBody>
+          <a:bodyPr/>
+          <a:lstStyle/>
+          <a:p>
+            <a:r>
+              <a:rPr lang="en-US" dirty="0"/>
+              <a:t>Managing Pattern Variable Bindings</a:t>
+            </a:r>
+          </a:p>
+        </p:txBody>
+      </p:sp>
+      <p:grpSp>
+        <p:nvGrpSpPr>
+          <p:cNvPr id="8" name="Group 7">
+            <a:extLst>
+              <a:ext uri="{FF2B5EF4-FFF2-40B4-BE49-F238E27FC236}">
+                <a16:creationId xmlns:a16="http://schemas.microsoft.com/office/drawing/2014/main" id="{F60D350A-21FC-BB4D-AD23-786012B6A582}"/>
+              </a:ext>
+            </a:extLst>
+          </p:cNvPr>
+          <p:cNvGrpSpPr/>
+          <p:nvPr/>
+        </p:nvGrpSpPr>
+        <p:grpSpPr>
+          <a:xfrm>
+            <a:off x="498817" y="1828800"/>
+            <a:ext cx="8023860" cy="3719670"/>
+            <a:chOff x="487094" y="2590800"/>
+            <a:chExt cx="8023860" cy="3719670"/>
+          </a:xfrm>
+        </p:grpSpPr>
+        <p:pic>
+          <p:nvPicPr>
+            <p:cNvPr id="5" name="Picture 4">
+              <a:extLst>
+                <a:ext uri="{FF2B5EF4-FFF2-40B4-BE49-F238E27FC236}">
+                  <a16:creationId xmlns:a16="http://schemas.microsoft.com/office/drawing/2014/main" id="{9C97650B-08B5-6641-A63F-F1AB61059FC5}"/>
+                </a:ext>
+              </a:extLst>
+            </p:cNvPr>
+            <p:cNvPicPr>
+              <a:picLocks noChangeAspect="1"/>
+            </p:cNvPicPr>
+            <p:nvPr/>
+          </p:nvPicPr>
+          <p:blipFill>
+            <a:blip r:embed="rId2"/>
+            <a:stretch>
+              <a:fillRect/>
+            </a:stretch>
+          </p:blipFill>
+          <p:spPr>
+            <a:xfrm>
+              <a:off x="487094" y="2590800"/>
+              <a:ext cx="8023860" cy="3719670"/>
+            </a:xfrm>
+            <a:prstGeom prst="rect">
+              <a:avLst/>
+            </a:prstGeom>
+            <a:ln>
+              <a:solidFill>
+                <a:schemeClr val="tx2"/>
+              </a:solidFill>
+            </a:ln>
+          </p:spPr>
+        </p:pic>
+        <p:sp>
+          <p:nvSpPr>
+            <p:cNvPr id="6" name="Down Arrow 5">
+              <a:extLst>
+                <a:ext uri="{FF2B5EF4-FFF2-40B4-BE49-F238E27FC236}">
+                  <a16:creationId xmlns:a16="http://schemas.microsoft.com/office/drawing/2014/main" id="{323DF4CA-8380-DC4D-AF2D-B8510E1E2A25}"/>
+                </a:ext>
+              </a:extLst>
+            </p:cNvPr>
+            <p:cNvSpPr/>
+            <p:nvPr/>
+          </p:nvSpPr>
+          <p:spPr bwMode="auto">
+            <a:xfrm rot="1186391">
+              <a:off x="3200400" y="3810000"/>
+              <a:ext cx="152400" cy="381000"/>
+            </a:xfrm>
+            <a:prstGeom prst="downArrow">
+              <a:avLst/>
+            </a:prstGeom>
+            <a:solidFill>
+              <a:srgbClr val="FF0000"/>
+            </a:solidFill>
+            <a:ln w="9525" cap="flat" cmpd="sng" algn="ctr">
+              <a:solidFill>
+                <a:schemeClr val="tx1"/>
+              </a:solidFill>
+              <a:prstDash val="solid"/>
+              <a:round/>
+              <a:headEnd type="none" w="med" len="med"/>
+              <a:tailEnd type="none" w="med" len="med"/>
+            </a:ln>
+            <a:effectLst/>
+            <a:extLst>
+              <a:ext uri="{AF507438-7753-43e0-B8FC-AC1667EBCBE1}">
+                <a14:hiddenEffects xmlns:a14="http://schemas.microsoft.com/office/drawing/2010/main" xmlns="">
+                  <a:effectLst>
+                    <a:outerShdw blurRad="63500" dist="38099" dir="2700000" algn="ctr" rotWithShape="0">
+                      <a:schemeClr val="bg2">
+                        <a:alpha val="74998"/>
+                      </a:schemeClr>
+                    </a:outerShdw>
+                  </a:effectLst>
+                </a14:hiddenEffects>
+              </a:ext>
+            </a:extLst>
+          </p:spPr>
+          <p:txBody>
+            <a:bodyPr vert="horz" wrap="square" lIns="91440" tIns="45720" rIns="91440" bIns="45720" numCol="1" rtlCol="0" anchor="t" anchorCtr="0" compatLnSpc="1">
+              <a:prstTxWarp prst="textNoShape">
+                <a:avLst/>
+              </a:prstTxWarp>
+            </a:bodyPr>
+            <a:lstStyle/>
+            <a:p>
+              <a:pPr marL="0" marR="0" indent="0" algn="l" defTabSz="914400" rtl="0" eaLnBrk="0" fontAlgn="base" latinLnBrk="0" hangingPunct="0">
+                <a:lnSpc>
+                  <a:spcPct val="100000"/>
+                </a:lnSpc>
+                <a:spcBef>
+                  <a:spcPct val="0"/>
+                </a:spcBef>
+                <a:spcAft>
+                  <a:spcPct val="0"/>
+                </a:spcAft>
+                <a:buClrTx/>
+                <a:buSzTx/>
+                <a:buFontTx/>
+                <a:buNone/>
+                <a:tabLst/>
+              </a:pPr>
+              <a:endParaRPr kumimoji="0" lang="en-US" sz="1600" b="0" i="0" u="none" strike="noStrike" cap="none" normalizeH="0" baseline="0">
+                <a:ln>
+                  <a:noFill/>
+                </a:ln>
+                <a:solidFill>
+                  <a:srgbClr val="000000"/>
+                </a:solidFill>
+                <a:effectLst/>
+                <a:latin typeface="Arial" charset="0"/>
+                <a:ea typeface="ＭＳ Ｐゴシック" charset="0"/>
+              </a:endParaRPr>
+            </a:p>
+          </p:txBody>
+        </p:sp>
+        <p:sp>
+          <p:nvSpPr>
+            <p:cNvPr id="7" name="Down Arrow 6">
+              <a:extLst>
+                <a:ext uri="{FF2B5EF4-FFF2-40B4-BE49-F238E27FC236}">
+                  <a16:creationId xmlns:a16="http://schemas.microsoft.com/office/drawing/2014/main" id="{813C4DE7-C1B2-7440-9B1C-C7537BC950B7}"/>
+                </a:ext>
+              </a:extLst>
+            </p:cNvPr>
+            <p:cNvSpPr/>
+            <p:nvPr/>
+          </p:nvSpPr>
+          <p:spPr bwMode="auto">
+            <a:xfrm rot="1186391">
+              <a:off x="6036047" y="3824547"/>
+              <a:ext cx="152400" cy="381000"/>
+            </a:xfrm>
+            <a:prstGeom prst="downArrow">
+              <a:avLst/>
+            </a:prstGeom>
+            <a:solidFill>
+              <a:srgbClr val="FF0000"/>
+            </a:solidFill>
+            <a:ln w="9525" cap="flat" cmpd="sng" algn="ctr">
+              <a:solidFill>
+                <a:schemeClr val="tx1"/>
+              </a:solidFill>
+              <a:prstDash val="solid"/>
+              <a:round/>
+              <a:headEnd type="none" w="med" len="med"/>
+              <a:tailEnd type="none" w="med" len="med"/>
+            </a:ln>
+            <a:effectLst/>
+            <a:extLst>
+              <a:ext uri="{AF507438-7753-43e0-B8FC-AC1667EBCBE1}">
+                <a14:hiddenEffects xmlns:a14="http://schemas.microsoft.com/office/drawing/2010/main" xmlns="">
+                  <a:effectLst>
+                    <a:outerShdw blurRad="63500" dist="38099" dir="2700000" algn="ctr" rotWithShape="0">
+                      <a:schemeClr val="bg2">
+                        <a:alpha val="74998"/>
+                      </a:schemeClr>
+                    </a:outerShdw>
+                  </a:effectLst>
+                </a14:hiddenEffects>
+              </a:ext>
+            </a:extLst>
+          </p:spPr>
+          <p:txBody>
+            <a:bodyPr vert="horz" wrap="square" lIns="91440" tIns="45720" rIns="91440" bIns="45720" numCol="1" rtlCol="0" anchor="t" anchorCtr="0" compatLnSpc="1">
+              <a:prstTxWarp prst="textNoShape">
+                <a:avLst/>
+              </a:prstTxWarp>
+            </a:bodyPr>
+            <a:lstStyle/>
+            <a:p>
+              <a:pPr marL="0" marR="0" indent="0" algn="l" defTabSz="914400" rtl="0" eaLnBrk="0" fontAlgn="base" latinLnBrk="0" hangingPunct="0">
+                <a:lnSpc>
+                  <a:spcPct val="100000"/>
+                </a:lnSpc>
+                <a:spcBef>
+                  <a:spcPct val="0"/>
+                </a:spcBef>
+                <a:spcAft>
+                  <a:spcPct val="0"/>
+                </a:spcAft>
+                <a:buClrTx/>
+                <a:buSzTx/>
+                <a:buFontTx/>
+                <a:buNone/>
+                <a:tabLst/>
+              </a:pPr>
+              <a:endParaRPr kumimoji="0" lang="en-US" sz="1600" b="0" i="0" u="none" strike="noStrike" cap="none" normalizeH="0" baseline="0">
+                <a:ln>
+                  <a:noFill/>
+                </a:ln>
+                <a:solidFill>
+                  <a:srgbClr val="000000"/>
+                </a:solidFill>
+                <a:effectLst/>
+                <a:latin typeface="Arial" charset="0"/>
+                <a:ea typeface="ＭＳ Ｐゴシック" charset="0"/>
+              </a:endParaRPr>
+            </a:p>
+          </p:txBody>
+        </p:sp>
+      </p:grpSp>
+      <p:sp>
+        <p:nvSpPr>
+          <p:cNvPr id="9" name="TextBox 8">
+            <a:extLst>
+              <a:ext uri="{FF2B5EF4-FFF2-40B4-BE49-F238E27FC236}">
+                <a16:creationId xmlns:a16="http://schemas.microsoft.com/office/drawing/2014/main" id="{9F8B96B2-2B29-564B-AD98-E754E25FED67}"/>
+              </a:ext>
+            </a:extLst>
+          </p:cNvPr>
+          <p:cNvSpPr txBox="1"/>
+          <p:nvPr/>
+        </p:nvSpPr>
+        <p:spPr>
+          <a:xfrm>
+            <a:off x="5791200" y="1465460"/>
+            <a:ext cx="1308371" cy="307777"/>
+          </a:xfrm>
+          <a:prstGeom prst="rect">
+            <a:avLst/>
+          </a:prstGeom>
+          <a:noFill/>
+        </p:spPr>
+        <p:txBody>
+          <a:bodyPr wrap="none" rtlCol="0">
+            <a:spAutoFit/>
+          </a:bodyPr>
+          <a:lstStyle/>
+          <a:p>
+            <a:r>
+              <a:rPr lang="en-US" sz="1400" dirty="0"/>
+              <a:t>ln015/dot2.ast</a:t>
+            </a:r>
+          </a:p>
+        </p:txBody>
+      </p:sp>
+      <p:sp>
+        <p:nvSpPr>
+          <p:cNvPr id="10" name="TextBox 9">
+            <a:extLst>
+              <a:ext uri="{FF2B5EF4-FFF2-40B4-BE49-F238E27FC236}">
+                <a16:creationId xmlns:a16="http://schemas.microsoft.com/office/drawing/2014/main" id="{6D41D096-425D-5844-8D3C-284A24508A44}"/>
+              </a:ext>
+            </a:extLst>
+          </p:cNvPr>
+          <p:cNvSpPr txBox="1"/>
+          <p:nvPr/>
+        </p:nvSpPr>
+        <p:spPr>
+          <a:xfrm>
+            <a:off x="750277" y="5884985"/>
+            <a:ext cx="7689926" cy="707886"/>
+          </a:xfrm>
+          <a:prstGeom prst="rect">
+            <a:avLst/>
+          </a:prstGeom>
+          <a:noFill/>
+        </p:spPr>
+        <p:txBody>
+          <a:bodyPr wrap="none" rtlCol="0">
+            <a:spAutoFit/>
+          </a:bodyPr>
+          <a:lstStyle/>
+          <a:p>
+            <a:r>
+              <a:rPr lang="en-US" b="1" dirty="0"/>
+              <a:t>Binding lists </a:t>
+            </a:r>
+            <a:r>
+              <a:rPr lang="en-US" dirty="0"/>
+              <a:t>applied to constraint patterns allow us to selectively </a:t>
+            </a:r>
+            <a:br>
+              <a:rPr lang="en-US" dirty="0"/>
+            </a:br>
+            <a:r>
+              <a:rPr lang="en-US" dirty="0"/>
+              <a:t>bind variables into the current scope.</a:t>
+            </a:r>
+          </a:p>
+        </p:txBody>
+      </p:sp>
+    </p:spTree>
+    <p:extLst>
+      <p:ext uri="{BB962C8B-B14F-4D97-AF65-F5344CB8AC3E}">
+        <p14:creationId xmlns:p14="http://schemas.microsoft.com/office/powerpoint/2010/main" val="1065781781"/>
+      </p:ext>
+    </p:extLst>
+  </p:cSld>
+  <p:clrMapOvr>
+    <a:masterClrMapping/>
+  </p:clrMapOvr>
+</p:sld>
+</file>
+
 <file path=ppt/slides/slide2.xml><?xml version="1.0" encoding="utf-8"?>
 <p:sld xmlns:a="http://schemas.openxmlformats.org/drawingml/2006/main" xmlns:r="http://schemas.openxmlformats.org/officeDocument/2006/relationships" xmlns:p="http://schemas.openxmlformats.org/presentationml/2006/main">
   <p:cSld>
@@ -6086,6 +7561,41 @@
           </a:ln>
         </p:spPr>
       </p:pic>
+      <p:sp>
+        <p:nvSpPr>
+          <p:cNvPr id="5" name="TextBox 4">
+            <a:extLst>
+              <a:ext uri="{FF2B5EF4-FFF2-40B4-BE49-F238E27FC236}">
+                <a16:creationId xmlns:a16="http://schemas.microsoft.com/office/drawing/2014/main" id="{3013210F-027E-8A46-B794-8AAD8A90043B}"/>
+              </a:ext>
+            </a:extLst>
+          </p:cNvPr>
+          <p:cNvSpPr txBox="1"/>
+          <p:nvPr/>
+        </p:nvSpPr>
+        <p:spPr>
+          <a:xfrm>
+            <a:off x="1652954" y="5005754"/>
+            <a:ext cx="1507144" cy="307777"/>
+          </a:xfrm>
+          <a:prstGeom prst="rect">
+            <a:avLst/>
+          </a:prstGeom>
+          <a:noFill/>
+        </p:spPr>
+        <p:txBody>
+          <a:bodyPr wrap="none" rtlCol="0">
+            <a:spAutoFit/>
+          </a:bodyPr>
+          <a:lstStyle/>
+          <a:p>
+            <a:r>
+              <a:rPr lang="en-US" sz="1400" dirty="0"/>
+              <a:t>ln015/factor1.ast</a:t>
+            </a:r>
+          </a:p>
+        </p:txBody>
+      </p:sp>
     </p:spTree>
     <p:extLst>
       <p:ext uri="{BB962C8B-B14F-4D97-AF65-F5344CB8AC3E}">
@@ -6172,7 +7682,7 @@
           <a:p>
             <a:r>
               <a:rPr lang="en-US" dirty="0"/>
-              <a:t>Ahh – it is a pair where the first component is a positive scalar</a:t>
+              <a:t>…it is a pair where the first component is a positive scalar</a:t>
             </a:r>
           </a:p>
           <a:p>
@@ -6308,10 +7818,400 @@
           </a:p>
         </p:txBody>
       </p:sp>
+      <p:sp>
+        <p:nvSpPr>
+          <p:cNvPr id="7" name="TextBox 6">
+            <a:extLst>
+              <a:ext uri="{FF2B5EF4-FFF2-40B4-BE49-F238E27FC236}">
+                <a16:creationId xmlns:a16="http://schemas.microsoft.com/office/drawing/2014/main" id="{94C68D68-E812-B245-B2B8-9EB3017D7B72}"/>
+              </a:ext>
+            </a:extLst>
+          </p:cNvPr>
+          <p:cNvSpPr txBox="1"/>
+          <p:nvPr/>
+        </p:nvSpPr>
+        <p:spPr>
+          <a:xfrm>
+            <a:off x="1143000" y="6096000"/>
+            <a:ext cx="1507144" cy="307777"/>
+          </a:xfrm>
+          <a:prstGeom prst="rect">
+            <a:avLst/>
+          </a:prstGeom>
+          <a:noFill/>
+        </p:spPr>
+        <p:txBody>
+          <a:bodyPr wrap="none" rtlCol="0">
+            <a:spAutoFit/>
+          </a:bodyPr>
+          <a:lstStyle/>
+          <a:p>
+            <a:r>
+              <a:rPr lang="en-US" sz="1400" dirty="0"/>
+              <a:t>ln015/factor2.ast</a:t>
+            </a:r>
+          </a:p>
+        </p:txBody>
+      </p:sp>
     </p:spTree>
     <p:extLst>
       <p:ext uri="{BB962C8B-B14F-4D97-AF65-F5344CB8AC3E}">
         <p14:creationId xmlns:p14="http://schemas.microsoft.com/office/powerpoint/2010/main" val="1629189872"/>
+      </p:ext>
+    </p:extLst>
+  </p:cSld>
+  <p:clrMapOvr>
+    <a:masterClrMapping/>
+  </p:clrMapOvr>
+</p:sld>
+</file>
+
+<file path=ppt/slides/slide7.xml><?xml version="1.0" encoding="utf-8"?>
+<p:sld xmlns:a="http://schemas.openxmlformats.org/drawingml/2006/main" xmlns:r="http://schemas.openxmlformats.org/officeDocument/2006/relationships" xmlns:p="http://schemas.openxmlformats.org/presentationml/2006/main">
+  <p:cSld>
+    <p:spTree>
+      <p:nvGrpSpPr>
+        <p:cNvPr id="1" name=""/>
+        <p:cNvGrpSpPr/>
+        <p:nvPr/>
+      </p:nvGrpSpPr>
+      <p:grpSpPr>
+        <a:xfrm>
+          <a:off x="0" y="0"/>
+          <a:ext cx="0" cy="0"/>
+          <a:chOff x="0" y="0"/>
+          <a:chExt cx="0" cy="0"/>
+        </a:xfrm>
+      </p:grpSpPr>
+      <p:sp>
+        <p:nvSpPr>
+          <p:cNvPr id="2" name="Title 1">
+            <a:extLst>
+              <a:ext uri="{FF2B5EF4-FFF2-40B4-BE49-F238E27FC236}">
+                <a16:creationId xmlns:a16="http://schemas.microsoft.com/office/drawing/2014/main" id="{FCAC02CC-732D-CE4C-8E47-3A60B80B8315}"/>
+              </a:ext>
+            </a:extLst>
+          </p:cNvPr>
+          <p:cNvSpPr>
+            <a:spLocks noGrp="1"/>
+          </p:cNvSpPr>
+          <p:nvPr>
+            <p:ph type="title"/>
+          </p:nvPr>
+        </p:nvSpPr>
+        <p:spPr/>
+        <p:txBody>
+          <a:bodyPr/>
+          <a:lstStyle/>
+          <a:p>
+            <a:r>
+              <a:rPr lang="en-US" dirty="0"/>
+              <a:t>Patterns as Constraints</a:t>
+            </a:r>
+          </a:p>
+        </p:txBody>
+      </p:sp>
+      <p:sp>
+        <p:nvSpPr>
+          <p:cNvPr id="3" name="Content Placeholder 2">
+            <a:extLst>
+              <a:ext uri="{FF2B5EF4-FFF2-40B4-BE49-F238E27FC236}">
+                <a16:creationId xmlns:a16="http://schemas.microsoft.com/office/drawing/2014/main" id="{07F16769-7896-5548-8559-A494D29CD088}"/>
+              </a:ext>
+            </a:extLst>
+          </p:cNvPr>
+          <p:cNvSpPr>
+            <a:spLocks noGrp="1"/>
+          </p:cNvSpPr>
+          <p:nvPr>
+            <p:ph idx="1"/>
+          </p:nvPr>
+        </p:nvSpPr>
+        <p:spPr/>
+        <p:txBody>
+          <a:bodyPr>
+            <a:normAutofit fontScale="92500" lnSpcReduction="10000"/>
+          </a:bodyPr>
+          <a:lstStyle/>
+          <a:p>
+            <a:r>
+              <a:rPr lang="en-US" dirty="0"/>
+              <a:t>The use of patterns as constraints is nothing new</a:t>
+            </a:r>
+          </a:p>
+          <a:p>
+            <a:r>
+              <a:rPr lang="en-US" dirty="0"/>
+              <a:t>We have seen this before with statements such as,</a:t>
+            </a:r>
+          </a:p>
+          <a:p>
+            <a:pPr lvl="1"/>
+            <a:r>
+              <a:rPr lang="en-US" dirty="0"/>
+              <a:t>let x : %integer = value.</a:t>
+            </a:r>
+          </a:p>
+          <a:p>
+            <a:r>
+              <a:rPr lang="en-US" dirty="0"/>
+              <a:t>where we are not interested in the exact value the pattern %integer matches but just the fact that it matches an integer value rather than anything else.</a:t>
+            </a:r>
+          </a:p>
+        </p:txBody>
+      </p:sp>
+    </p:spTree>
+    <p:extLst>
+      <p:ext uri="{BB962C8B-B14F-4D97-AF65-F5344CB8AC3E}">
+        <p14:creationId xmlns:p14="http://schemas.microsoft.com/office/powerpoint/2010/main" val="1620874591"/>
+      </p:ext>
+    </p:extLst>
+  </p:cSld>
+  <p:clrMapOvr>
+    <a:masterClrMapping/>
+  </p:clrMapOvr>
+</p:sld>
+</file>
+
+<file path=ppt/slides/slide8.xml><?xml version="1.0" encoding="utf-8"?>
+<p:sld xmlns:a="http://schemas.openxmlformats.org/drawingml/2006/main" xmlns:r="http://schemas.openxmlformats.org/officeDocument/2006/relationships" xmlns:p="http://schemas.openxmlformats.org/presentationml/2006/main">
+  <p:cSld>
+    <p:spTree>
+      <p:nvGrpSpPr>
+        <p:cNvPr id="1" name=""/>
+        <p:cNvGrpSpPr/>
+        <p:nvPr/>
+      </p:nvGrpSpPr>
+      <p:grpSpPr>
+        <a:xfrm>
+          <a:off x="0" y="0"/>
+          <a:ext cx="0" cy="0"/>
+          <a:chOff x="0" y="0"/>
+          <a:chExt cx="0" cy="0"/>
+        </a:xfrm>
+      </p:grpSpPr>
+      <p:sp>
+        <p:nvSpPr>
+          <p:cNvPr id="2" name="Title 1">
+            <a:extLst>
+              <a:ext uri="{FF2B5EF4-FFF2-40B4-BE49-F238E27FC236}">
+                <a16:creationId xmlns:a16="http://schemas.microsoft.com/office/drawing/2014/main" id="{08BD3FC9-099D-E547-B5A4-891FC35ADE12}"/>
+              </a:ext>
+            </a:extLst>
+          </p:cNvPr>
+          <p:cNvSpPr>
+            <a:spLocks noGrp="1"/>
+          </p:cNvSpPr>
+          <p:nvPr>
+            <p:ph type="title"/>
+          </p:nvPr>
+        </p:nvSpPr>
+        <p:spPr/>
+        <p:txBody>
+          <a:bodyPr/>
+          <a:lstStyle/>
+          <a:p>
+            <a:r>
+              <a:rPr lang="en-US" dirty="0"/>
+              <a:t>Patterns as Constraints</a:t>
+            </a:r>
+          </a:p>
+        </p:txBody>
+      </p:sp>
+      <p:sp>
+        <p:nvSpPr>
+          <p:cNvPr id="3" name="Content Placeholder 2">
+            <a:extLst>
+              <a:ext uri="{FF2B5EF4-FFF2-40B4-BE49-F238E27FC236}">
+                <a16:creationId xmlns:a16="http://schemas.microsoft.com/office/drawing/2014/main" id="{A67C4690-C0C8-5047-AB92-306D5A011268}"/>
+              </a:ext>
+            </a:extLst>
+          </p:cNvPr>
+          <p:cNvSpPr>
+            <a:spLocks noGrp="1"/>
+          </p:cNvSpPr>
+          <p:nvPr>
+            <p:ph idx="1"/>
+          </p:nvPr>
+        </p:nvSpPr>
+        <p:spPr/>
+        <p:txBody>
+          <a:bodyPr>
+            <a:normAutofit fontScale="92500"/>
+          </a:bodyPr>
+          <a:lstStyle/>
+          <a:p>
+            <a:r>
+              <a:rPr lang="en-US" dirty="0"/>
+              <a:t>The following pattern matches any scalar value between 1 and 9</a:t>
+            </a:r>
+          </a:p>
+          <a:p>
+            <a:pPr lvl="1"/>
+            <a:r>
+              <a:rPr lang="en-US" dirty="0"/>
+              <a:t>let p = pattern k if k &gt; 0 and k &lt; 10.</a:t>
+            </a:r>
+          </a:p>
+          <a:p>
+            <a:r>
+              <a:rPr lang="en-US" dirty="0"/>
+              <a:t>We can use this pattern as a constraint,</a:t>
+            </a:r>
+          </a:p>
+          <a:p>
+            <a:pPr lvl="1"/>
+            <a:r>
+              <a:rPr lang="en-US" dirty="0"/>
+              <a:t>let x : *p = value.</a:t>
+            </a:r>
+          </a:p>
+          <a:p>
+            <a:r>
+              <a:rPr lang="en-US" dirty="0"/>
+              <a:t>It works, BUT the pattern instantiates the variable k every time it matches</a:t>
+            </a:r>
+          </a:p>
+          <a:p>
+            <a:r>
+              <a:rPr lang="en-US" dirty="0"/>
+              <a:t>…this can lead to difficult to trace bugs</a:t>
+            </a:r>
+          </a:p>
+        </p:txBody>
+      </p:sp>
+    </p:spTree>
+    <p:extLst>
+      <p:ext uri="{BB962C8B-B14F-4D97-AF65-F5344CB8AC3E}">
+        <p14:creationId xmlns:p14="http://schemas.microsoft.com/office/powerpoint/2010/main" val="656302259"/>
+      </p:ext>
+    </p:extLst>
+  </p:cSld>
+  <p:clrMapOvr>
+    <a:masterClrMapping/>
+  </p:clrMapOvr>
+</p:sld>
+</file>
+
+<file path=ppt/slides/slide9.xml><?xml version="1.0" encoding="utf-8"?>
+<p:sld xmlns:a="http://schemas.openxmlformats.org/drawingml/2006/main" xmlns:r="http://schemas.openxmlformats.org/officeDocument/2006/relationships" xmlns:p="http://schemas.openxmlformats.org/presentationml/2006/main">
+  <p:cSld>
+    <p:spTree>
+      <p:nvGrpSpPr>
+        <p:cNvPr id="1" name=""/>
+        <p:cNvGrpSpPr/>
+        <p:nvPr/>
+      </p:nvGrpSpPr>
+      <p:grpSpPr>
+        <a:xfrm>
+          <a:off x="0" y="0"/>
+          <a:ext cx="0" cy="0"/>
+          <a:chOff x="0" y="0"/>
+          <a:chExt cx="0" cy="0"/>
+        </a:xfrm>
+      </p:grpSpPr>
+      <p:sp>
+        <p:nvSpPr>
+          <p:cNvPr id="4" name="Title 3">
+            <a:extLst>
+              <a:ext uri="{FF2B5EF4-FFF2-40B4-BE49-F238E27FC236}">
+                <a16:creationId xmlns:a16="http://schemas.microsoft.com/office/drawing/2014/main" id="{4511D7BD-A893-E44D-B613-BD91EA07B97B}"/>
+              </a:ext>
+            </a:extLst>
+          </p:cNvPr>
+          <p:cNvSpPr>
+            <a:spLocks noGrp="1"/>
+          </p:cNvSpPr>
+          <p:nvPr>
+            <p:ph type="title"/>
+          </p:nvPr>
+        </p:nvSpPr>
+        <p:spPr/>
+        <p:txBody>
+          <a:bodyPr/>
+          <a:lstStyle/>
+          <a:p>
+            <a:r>
+              <a:rPr lang="en-US" dirty="0"/>
+              <a:t>Patterns as Constraints</a:t>
+            </a:r>
+          </a:p>
+        </p:txBody>
+      </p:sp>
+      <p:sp>
+        <p:nvSpPr>
+          <p:cNvPr id="6" name="TextBox 5">
+            <a:extLst>
+              <a:ext uri="{FF2B5EF4-FFF2-40B4-BE49-F238E27FC236}">
+                <a16:creationId xmlns:a16="http://schemas.microsoft.com/office/drawing/2014/main" id="{563ADFA0-BC96-6F40-8337-CC52D2F286AE}"/>
+              </a:ext>
+            </a:extLst>
+          </p:cNvPr>
+          <p:cNvSpPr txBox="1"/>
+          <p:nvPr/>
+        </p:nvSpPr>
+        <p:spPr>
+          <a:xfrm>
+            <a:off x="1969477" y="6096000"/>
+            <a:ext cx="1935145" cy="307777"/>
+          </a:xfrm>
+          <a:prstGeom prst="rect">
+            <a:avLst/>
+          </a:prstGeom>
+          <a:noFill/>
+        </p:spPr>
+        <p:txBody>
+          <a:bodyPr wrap="none" rtlCol="0">
+            <a:spAutoFit/>
+          </a:bodyPr>
+          <a:lstStyle/>
+          <a:p>
+            <a:r>
+              <a:rPr lang="en-US" sz="1400" dirty="0"/>
+              <a:t>ln015/constraint1a.ast</a:t>
+            </a:r>
+          </a:p>
+        </p:txBody>
+      </p:sp>
+      <p:pic>
+        <p:nvPicPr>
+          <p:cNvPr id="7" name="Picture 6">
+            <a:extLst>
+              <a:ext uri="{FF2B5EF4-FFF2-40B4-BE49-F238E27FC236}">
+                <a16:creationId xmlns:a16="http://schemas.microsoft.com/office/drawing/2014/main" id="{5FC69ED8-901F-A04A-8125-278639B8050F}"/>
+              </a:ext>
+            </a:extLst>
+          </p:cNvPr>
+          <p:cNvPicPr>
+            <a:picLocks noChangeAspect="1"/>
+          </p:cNvPicPr>
+          <p:nvPr/>
+        </p:nvPicPr>
+        <p:blipFill>
+          <a:blip r:embed="rId2"/>
+          <a:stretch>
+            <a:fillRect/>
+          </a:stretch>
+        </p:blipFill>
+        <p:spPr>
+          <a:xfrm>
+            <a:off x="1559169" y="1447800"/>
+            <a:ext cx="5372100" cy="4495800"/>
+          </a:xfrm>
+          <a:prstGeom prst="rect">
+            <a:avLst/>
+          </a:prstGeom>
+          <a:ln>
+            <a:solidFill>
+              <a:schemeClr val="tx2"/>
+            </a:solidFill>
+          </a:ln>
+        </p:spPr>
+      </p:pic>
+    </p:spTree>
+    <p:extLst>
+      <p:ext uri="{BB962C8B-B14F-4D97-AF65-F5344CB8AC3E}">
+        <p14:creationId xmlns:p14="http://schemas.microsoft.com/office/powerpoint/2010/main" val="1688038940"/>
       </p:ext>
     </p:extLst>
   </p:cSld>
